--- a/documentum/건축심화세미나/2023/이벤트 특강/python, 과연 엑셀보다 어려운가.pptx
+++ b/documentum/건축심화세미나/2023/이벤트 특강/python, 과연 엑셀보다 어려운가.pptx
@@ -284,7 +284,7 @@
           <a:p>
             <a:fld id="{9F8E3D10-EFBF-43F2-A33E-B91DB5005614}" type="datetimeFigureOut">
               <a:rPr lang="ko-KR" altLang="en-US" smtClean="0"/>
-              <a:t>2023-02-21</a:t>
+              <a:t>2023-02-23</a:t>
             </a:fld>
             <a:endParaRPr lang="ko-KR" altLang="en-US"/>
           </a:p>
@@ -452,7 +452,7 @@
           <a:p>
             <a:fld id="{9F8E3D10-EFBF-43F2-A33E-B91DB5005614}" type="datetimeFigureOut">
               <a:rPr lang="ko-KR" altLang="en-US" smtClean="0"/>
-              <a:t>2023-02-21</a:t>
+              <a:t>2023-02-23</a:t>
             </a:fld>
             <a:endParaRPr lang="ko-KR" altLang="en-US"/>
           </a:p>
@@ -630,7 +630,7 @@
           <a:p>
             <a:fld id="{9F8E3D10-EFBF-43F2-A33E-B91DB5005614}" type="datetimeFigureOut">
               <a:rPr lang="ko-KR" altLang="en-US" smtClean="0"/>
-              <a:t>2023-02-21</a:t>
+              <a:t>2023-02-23</a:t>
             </a:fld>
             <a:endParaRPr lang="ko-KR" altLang="en-US"/>
           </a:p>
@@ -798,7 +798,7 @@
           <a:p>
             <a:fld id="{9F8E3D10-EFBF-43F2-A33E-B91DB5005614}" type="datetimeFigureOut">
               <a:rPr lang="ko-KR" altLang="en-US" smtClean="0"/>
-              <a:t>2023-02-21</a:t>
+              <a:t>2023-02-23</a:t>
             </a:fld>
             <a:endParaRPr lang="ko-KR" altLang="en-US"/>
           </a:p>
@@ -1043,7 +1043,7 @@
           <a:p>
             <a:fld id="{9F8E3D10-EFBF-43F2-A33E-B91DB5005614}" type="datetimeFigureOut">
               <a:rPr lang="ko-KR" altLang="en-US" smtClean="0"/>
-              <a:t>2023-02-21</a:t>
+              <a:t>2023-02-23</a:t>
             </a:fld>
             <a:endParaRPr lang="ko-KR" altLang="en-US"/>
           </a:p>
@@ -1272,7 +1272,7 @@
           <a:p>
             <a:fld id="{9F8E3D10-EFBF-43F2-A33E-B91DB5005614}" type="datetimeFigureOut">
               <a:rPr lang="ko-KR" altLang="en-US" smtClean="0"/>
-              <a:t>2023-02-21</a:t>
+              <a:t>2023-02-23</a:t>
             </a:fld>
             <a:endParaRPr lang="ko-KR" altLang="en-US"/>
           </a:p>
@@ -1636,7 +1636,7 @@
           <a:p>
             <a:fld id="{9F8E3D10-EFBF-43F2-A33E-B91DB5005614}" type="datetimeFigureOut">
               <a:rPr lang="ko-KR" altLang="en-US" smtClean="0"/>
-              <a:t>2023-02-21</a:t>
+              <a:t>2023-02-23</a:t>
             </a:fld>
             <a:endParaRPr lang="ko-KR" altLang="en-US"/>
           </a:p>
@@ -1753,7 +1753,7 @@
           <a:p>
             <a:fld id="{9F8E3D10-EFBF-43F2-A33E-B91DB5005614}" type="datetimeFigureOut">
               <a:rPr lang="ko-KR" altLang="en-US" smtClean="0"/>
-              <a:t>2023-02-21</a:t>
+              <a:t>2023-02-23</a:t>
             </a:fld>
             <a:endParaRPr lang="ko-KR" altLang="en-US"/>
           </a:p>
@@ -1848,7 +1848,7 @@
           <a:p>
             <a:fld id="{9F8E3D10-EFBF-43F2-A33E-B91DB5005614}" type="datetimeFigureOut">
               <a:rPr lang="ko-KR" altLang="en-US" smtClean="0"/>
-              <a:t>2023-02-21</a:t>
+              <a:t>2023-02-23</a:t>
             </a:fld>
             <a:endParaRPr lang="ko-KR" altLang="en-US"/>
           </a:p>
@@ -2123,7 +2123,7 @@
           <a:p>
             <a:fld id="{9F8E3D10-EFBF-43F2-A33E-B91DB5005614}" type="datetimeFigureOut">
               <a:rPr lang="ko-KR" altLang="en-US" smtClean="0"/>
-              <a:t>2023-02-21</a:t>
+              <a:t>2023-02-23</a:t>
             </a:fld>
             <a:endParaRPr lang="ko-KR" altLang="en-US"/>
           </a:p>
@@ -2375,7 +2375,7 @@
           <a:p>
             <a:fld id="{9F8E3D10-EFBF-43F2-A33E-B91DB5005614}" type="datetimeFigureOut">
               <a:rPr lang="ko-KR" altLang="en-US" smtClean="0"/>
-              <a:t>2023-02-21</a:t>
+              <a:t>2023-02-23</a:t>
             </a:fld>
             <a:endParaRPr lang="ko-KR" altLang="en-US"/>
           </a:p>
@@ -2586,7 +2586,7 @@
           <a:p>
             <a:fld id="{9F8E3D10-EFBF-43F2-A33E-B91DB5005614}" type="datetimeFigureOut">
               <a:rPr lang="ko-KR" altLang="en-US" smtClean="0"/>
-              <a:t>2023-02-21</a:t>
+              <a:t>2023-02-23</a:t>
             </a:fld>
             <a:endParaRPr lang="ko-KR" altLang="en-US"/>
           </a:p>
@@ -3612,7 +3612,7 @@
             <a:prstDash val="sysDash"/>
             <a:extLst>
               <a:ext uri="{C807C97D-BFC1-408E-A445-0C87EB9F89A2}">
-                <ask:lineSketchStyleProps xmlns:ask="http://schemas.microsoft.com/office/drawing/2018/sketchyshapes" xmlns="" sd="1219033472">
+                <ask:lineSketchStyleProps xmlns="" xmlns:ask="http://schemas.microsoft.com/office/drawing/2018/sketchyshapes" sd="1219033472">
                   <a:custGeom>
                     <a:avLst/>
                     <a:gdLst>
@@ -3844,7 +3844,7 @@
             <a:prstDash val="sysDash"/>
             <a:extLst>
               <a:ext uri="{C807C97D-BFC1-408E-A445-0C87EB9F89A2}">
-                <ask:lineSketchStyleProps xmlns:ask="http://schemas.microsoft.com/office/drawing/2018/sketchyshapes" xmlns="" sd="1219033472">
+                <ask:lineSketchStyleProps xmlns="" xmlns:ask="http://schemas.microsoft.com/office/drawing/2018/sketchyshapes" sd="1219033472">
                   <a:custGeom>
                     <a:avLst/>
                     <a:gdLst>
@@ -3968,7 +3968,7 @@
             <a:prstDash val="sysDash"/>
             <a:extLst>
               <a:ext uri="{C807C97D-BFC1-408E-A445-0C87EB9F89A2}">
-                <ask:lineSketchStyleProps xmlns:ask="http://schemas.microsoft.com/office/drawing/2018/sketchyshapes" xmlns="" sd="1219033472">
+                <ask:lineSketchStyleProps xmlns="" xmlns:ask="http://schemas.microsoft.com/office/drawing/2018/sketchyshapes" sd="1219033472">
                   <a:custGeom>
                     <a:avLst/>
                     <a:gdLst>
@@ -4092,7 +4092,7 @@
             <a:prstDash val="sysDash"/>
             <a:extLst>
               <a:ext uri="{C807C97D-BFC1-408E-A445-0C87EB9F89A2}">
-                <ask:lineSketchStyleProps xmlns:ask="http://schemas.microsoft.com/office/drawing/2018/sketchyshapes" xmlns="" sd="1219033472">
+                <ask:lineSketchStyleProps xmlns="" xmlns:ask="http://schemas.microsoft.com/office/drawing/2018/sketchyshapes" sd="1219033472">
                   <a:custGeom>
                     <a:avLst/>
                     <a:gdLst>
@@ -4216,7 +4216,7 @@
             <a:prstDash val="sysDash"/>
             <a:extLst>
               <a:ext uri="{C807C97D-BFC1-408E-A445-0C87EB9F89A2}">
-                <ask:lineSketchStyleProps xmlns:ask="http://schemas.microsoft.com/office/drawing/2018/sketchyshapes" xmlns="" sd="1219033472">
+                <ask:lineSketchStyleProps xmlns="" xmlns:ask="http://schemas.microsoft.com/office/drawing/2018/sketchyshapes" sd="1219033472">
                   <a:custGeom>
                     <a:avLst/>
                     <a:gdLst>
@@ -4369,7 +4369,7 @@
             <a:prstDash val="sysDash"/>
             <a:extLst>
               <a:ext uri="{C807C97D-BFC1-408E-A445-0C87EB9F89A2}">
-                <ask:lineSketchStyleProps xmlns:ask="http://schemas.microsoft.com/office/drawing/2018/sketchyshapes" xmlns="" sd="1219033472">
+                <ask:lineSketchStyleProps xmlns="" xmlns:ask="http://schemas.microsoft.com/office/drawing/2018/sketchyshapes" sd="1219033472">
                   <a:custGeom>
                     <a:avLst/>
                     <a:gdLst>
@@ -4493,7 +4493,7 @@
             <a:prstDash val="sysDash"/>
             <a:extLst>
               <a:ext uri="{C807C97D-BFC1-408E-A445-0C87EB9F89A2}">
-                <ask:lineSketchStyleProps xmlns:ask="http://schemas.microsoft.com/office/drawing/2018/sketchyshapes" xmlns="" sd="1219033472">
+                <ask:lineSketchStyleProps xmlns="" xmlns:ask="http://schemas.microsoft.com/office/drawing/2018/sketchyshapes" sd="1219033472">
                   <a:custGeom>
                     <a:avLst/>
                     <a:gdLst>
@@ -4617,7 +4617,7 @@
             <a:prstDash val="sysDash"/>
             <a:extLst>
               <a:ext uri="{C807C97D-BFC1-408E-A445-0C87EB9F89A2}">
-                <ask:lineSketchStyleProps xmlns:ask="http://schemas.microsoft.com/office/drawing/2018/sketchyshapes" xmlns="" sd="1219033472">
+                <ask:lineSketchStyleProps xmlns="" xmlns:ask="http://schemas.microsoft.com/office/drawing/2018/sketchyshapes" sd="1219033472">
                   <a:custGeom>
                     <a:avLst/>
                     <a:gdLst>
@@ -4741,7 +4741,7 @@
             <a:prstDash val="sysDash"/>
             <a:extLst>
               <a:ext uri="{C807C97D-BFC1-408E-A445-0C87EB9F89A2}">
-                <ask:lineSketchStyleProps xmlns:ask="http://schemas.microsoft.com/office/drawing/2018/sketchyshapes" xmlns="" sd="1219033472">
+                <ask:lineSketchStyleProps xmlns="" xmlns:ask="http://schemas.microsoft.com/office/drawing/2018/sketchyshapes" sd="1219033472">
                   <a:custGeom>
                     <a:avLst/>
                     <a:gdLst>
@@ -4865,7 +4865,7 @@
             <a:prstDash val="sysDash"/>
             <a:extLst>
               <a:ext uri="{C807C97D-BFC1-408E-A445-0C87EB9F89A2}">
-                <ask:lineSketchStyleProps xmlns:ask="http://schemas.microsoft.com/office/drawing/2018/sketchyshapes" xmlns="" sd="1219033472">
+                <ask:lineSketchStyleProps xmlns="" xmlns:ask="http://schemas.microsoft.com/office/drawing/2018/sketchyshapes" sd="1219033472">
                   <a:custGeom>
                     <a:avLst/>
                     <a:gdLst>
@@ -4989,7 +4989,7 @@
             <a:prstDash val="sysDash"/>
             <a:extLst>
               <a:ext uri="{C807C97D-BFC1-408E-A445-0C87EB9F89A2}">
-                <ask:lineSketchStyleProps xmlns:ask="http://schemas.microsoft.com/office/drawing/2018/sketchyshapes" xmlns="" sd="1219033472">
+                <ask:lineSketchStyleProps xmlns="" xmlns:ask="http://schemas.microsoft.com/office/drawing/2018/sketchyshapes" sd="1219033472">
                   <a:custGeom>
                     <a:avLst/>
                     <a:gdLst>
@@ -5372,7 +5372,7 @@
             <a:prstDash val="sysDash"/>
             <a:extLst>
               <a:ext uri="{C807C97D-BFC1-408E-A445-0C87EB9F89A2}">
-                <ask:lineSketchStyleProps xmlns:ask="http://schemas.microsoft.com/office/drawing/2018/sketchyshapes" xmlns="" sd="1219033472">
+                <ask:lineSketchStyleProps xmlns="" xmlns:ask="http://schemas.microsoft.com/office/drawing/2018/sketchyshapes" sd="1219033472">
                   <a:custGeom>
                     <a:avLst/>
                     <a:gdLst>
@@ -5525,7 +5525,7 @@
             <a:prstDash val="sysDash"/>
             <a:extLst>
               <a:ext uri="{C807C97D-BFC1-408E-A445-0C87EB9F89A2}">
-                <ask:lineSketchStyleProps xmlns:ask="http://schemas.microsoft.com/office/drawing/2018/sketchyshapes" xmlns="" sd="1219033472">
+                <ask:lineSketchStyleProps xmlns="" xmlns:ask="http://schemas.microsoft.com/office/drawing/2018/sketchyshapes" sd="1219033472">
                   <a:custGeom>
                     <a:avLst/>
                     <a:gdLst>
@@ -5649,7 +5649,7 @@
             <a:prstDash val="sysDash"/>
             <a:extLst>
               <a:ext uri="{C807C97D-BFC1-408E-A445-0C87EB9F89A2}">
-                <ask:lineSketchStyleProps xmlns:ask="http://schemas.microsoft.com/office/drawing/2018/sketchyshapes" xmlns="" sd="1219033472">
+                <ask:lineSketchStyleProps xmlns="" xmlns:ask="http://schemas.microsoft.com/office/drawing/2018/sketchyshapes" sd="1219033472">
                   <a:custGeom>
                     <a:avLst/>
                     <a:gdLst>
@@ -5773,7 +5773,7 @@
             <a:prstDash val="sysDash"/>
             <a:extLst>
               <a:ext uri="{C807C97D-BFC1-408E-A445-0C87EB9F89A2}">
-                <ask:lineSketchStyleProps xmlns:ask="http://schemas.microsoft.com/office/drawing/2018/sketchyshapes" xmlns="" sd="1219033472">
+                <ask:lineSketchStyleProps xmlns="" xmlns:ask="http://schemas.microsoft.com/office/drawing/2018/sketchyshapes" sd="1219033472">
                   <a:custGeom>
                     <a:avLst/>
                     <a:gdLst>
@@ -5897,7 +5897,7 @@
             <a:prstDash val="sysDash"/>
             <a:extLst>
               <a:ext uri="{C807C97D-BFC1-408E-A445-0C87EB9F89A2}">
-                <ask:lineSketchStyleProps xmlns:ask="http://schemas.microsoft.com/office/drawing/2018/sketchyshapes" xmlns="" sd="1219033472">
+                <ask:lineSketchStyleProps xmlns="" xmlns:ask="http://schemas.microsoft.com/office/drawing/2018/sketchyshapes" sd="1219033472">
                   <a:custGeom>
                     <a:avLst/>
                     <a:gdLst>
@@ -6021,7 +6021,7 @@
             <a:prstDash val="sysDash"/>
             <a:extLst>
               <a:ext uri="{C807C97D-BFC1-408E-A445-0C87EB9F89A2}">
-                <ask:lineSketchStyleProps xmlns:ask="http://schemas.microsoft.com/office/drawing/2018/sketchyshapes" xmlns="" sd="1219033472">
+                <ask:lineSketchStyleProps xmlns="" xmlns:ask="http://schemas.microsoft.com/office/drawing/2018/sketchyshapes" sd="1219033472">
                   <a:custGeom>
                     <a:avLst/>
                     <a:gdLst>
@@ -6145,7 +6145,7 @@
             <a:prstDash val="sysDash"/>
             <a:extLst>
               <a:ext uri="{C807C97D-BFC1-408E-A445-0C87EB9F89A2}">
-                <ask:lineSketchStyleProps xmlns:ask="http://schemas.microsoft.com/office/drawing/2018/sketchyshapes" xmlns="" sd="1219033472">
+                <ask:lineSketchStyleProps xmlns="" xmlns:ask="http://schemas.microsoft.com/office/drawing/2018/sketchyshapes" sd="1219033472">
                   <a:custGeom>
                     <a:avLst/>
                     <a:gdLst>
@@ -6269,7 +6269,7 @@
             <a:prstDash val="sysDash"/>
             <a:extLst>
               <a:ext uri="{C807C97D-BFC1-408E-A445-0C87EB9F89A2}">
-                <ask:lineSketchStyleProps xmlns:ask="http://schemas.microsoft.com/office/drawing/2018/sketchyshapes" xmlns="" sd="1219033472">
+                <ask:lineSketchStyleProps xmlns="" xmlns:ask="http://schemas.microsoft.com/office/drawing/2018/sketchyshapes" sd="1219033472">
                   <a:custGeom>
                     <a:avLst/>
                     <a:gdLst>
@@ -6393,7 +6393,7 @@
             <a:prstDash val="sysDash"/>
             <a:extLst>
               <a:ext uri="{C807C97D-BFC1-408E-A445-0C87EB9F89A2}">
-                <ask:lineSketchStyleProps xmlns:ask="http://schemas.microsoft.com/office/drawing/2018/sketchyshapes" xmlns="" sd="1219033472">
+                <ask:lineSketchStyleProps xmlns="" xmlns:ask="http://schemas.microsoft.com/office/drawing/2018/sketchyshapes" sd="1219033472">
                   <a:custGeom>
                     <a:avLst/>
                     <a:gdLst>
@@ -6517,7 +6517,7 @@
             <a:prstDash val="sysDash"/>
             <a:extLst>
               <a:ext uri="{C807C97D-BFC1-408E-A445-0C87EB9F89A2}">
-                <ask:lineSketchStyleProps xmlns:ask="http://schemas.microsoft.com/office/drawing/2018/sketchyshapes" xmlns="" sd="1219033472">
+                <ask:lineSketchStyleProps xmlns="" xmlns:ask="http://schemas.microsoft.com/office/drawing/2018/sketchyshapes" sd="1219033472">
                   <a:custGeom>
                     <a:avLst/>
                     <a:gdLst>
@@ -6641,7 +6641,7 @@
             <a:prstDash val="sysDash"/>
             <a:extLst>
               <a:ext uri="{C807C97D-BFC1-408E-A445-0C87EB9F89A2}">
-                <ask:lineSketchStyleProps xmlns:ask="http://schemas.microsoft.com/office/drawing/2018/sketchyshapes" xmlns="" sd="1219033472">
+                <ask:lineSketchStyleProps xmlns="" xmlns:ask="http://schemas.microsoft.com/office/drawing/2018/sketchyshapes" sd="1219033472">
                   <a:custGeom>
                     <a:avLst/>
                     <a:gdLst>
@@ -8478,7 +8478,7 @@
             <a:prstDash val="sysDash"/>
             <a:extLst>
               <a:ext uri="{C807C97D-BFC1-408E-A445-0C87EB9F89A2}">
-                <ask:lineSketchStyleProps xmlns:ask="http://schemas.microsoft.com/office/drawing/2018/sketchyshapes" xmlns="" sd="1219033472">
+                <ask:lineSketchStyleProps xmlns="" xmlns:ask="http://schemas.microsoft.com/office/drawing/2018/sketchyshapes" sd="1219033472">
                   <a:custGeom>
                     <a:avLst/>
                     <a:gdLst>
@@ -8602,7 +8602,7 @@
             <a:prstDash val="sysDash"/>
             <a:extLst>
               <a:ext uri="{C807C97D-BFC1-408E-A445-0C87EB9F89A2}">
-                <ask:lineSketchStyleProps xmlns:ask="http://schemas.microsoft.com/office/drawing/2018/sketchyshapes" xmlns="" sd="1219033472">
+                <ask:lineSketchStyleProps xmlns="" xmlns:ask="http://schemas.microsoft.com/office/drawing/2018/sketchyshapes" sd="1219033472">
                   <a:custGeom>
                     <a:avLst/>
                     <a:gdLst>
@@ -8726,7 +8726,7 @@
             <a:prstDash val="sysDash"/>
             <a:extLst>
               <a:ext uri="{C807C97D-BFC1-408E-A445-0C87EB9F89A2}">
-                <ask:lineSketchStyleProps xmlns:ask="http://schemas.microsoft.com/office/drawing/2018/sketchyshapes" xmlns="" sd="1219033472">
+                <ask:lineSketchStyleProps xmlns="" xmlns:ask="http://schemas.microsoft.com/office/drawing/2018/sketchyshapes" sd="1219033472">
                   <a:custGeom>
                     <a:avLst/>
                     <a:gdLst>
@@ -8852,7 +8852,7 @@
             <a:prstDash val="sysDash"/>
             <a:extLst>
               <a:ext uri="{C807C97D-BFC1-408E-A445-0C87EB9F89A2}">
-                <ask:lineSketchStyleProps xmlns:ask="http://schemas.microsoft.com/office/drawing/2018/sketchyshapes" xmlns="" sd="1219033472">
+                <ask:lineSketchStyleProps xmlns="" xmlns:ask="http://schemas.microsoft.com/office/drawing/2018/sketchyshapes" sd="1219033472">
                   <a:custGeom>
                     <a:avLst/>
                     <a:gdLst>
@@ -9504,7 +9504,7 @@
             <a:prstDash val="sysDash"/>
             <a:extLst>
               <a:ext uri="{C807C97D-BFC1-408E-A445-0C87EB9F89A2}">
-                <ask:lineSketchStyleProps xmlns:ask="http://schemas.microsoft.com/office/drawing/2018/sketchyshapes" xmlns="" sd="1219033472">
+                <ask:lineSketchStyleProps xmlns="" xmlns:ask="http://schemas.microsoft.com/office/drawing/2018/sketchyshapes" sd="1219033472">
                   <a:custGeom>
                     <a:avLst/>
                     <a:gdLst>
@@ -9670,7 +9670,7 @@
             <a:prstDash val="sysDash"/>
             <a:extLst>
               <a:ext uri="{C807C97D-BFC1-408E-A445-0C87EB9F89A2}">
-                <ask:lineSketchStyleProps xmlns:ask="http://schemas.microsoft.com/office/drawing/2018/sketchyshapes" xmlns="" sd="1219033472">
+                <ask:lineSketchStyleProps xmlns="" xmlns:ask="http://schemas.microsoft.com/office/drawing/2018/sketchyshapes" sd="1219033472">
                   <a:custGeom>
                     <a:avLst/>
                     <a:gdLst>
@@ -9836,7 +9836,7 @@
             <a:prstDash val="sysDash"/>
             <a:extLst>
               <a:ext uri="{C807C97D-BFC1-408E-A445-0C87EB9F89A2}">
-                <ask:lineSketchStyleProps xmlns:ask="http://schemas.microsoft.com/office/drawing/2018/sketchyshapes" xmlns="" sd="1219033472">
+                <ask:lineSketchStyleProps xmlns="" xmlns:ask="http://schemas.microsoft.com/office/drawing/2018/sketchyshapes" sd="1219033472">
                   <a:custGeom>
                     <a:avLst/>
                     <a:gdLst>
@@ -10452,7 +10452,7 @@
             <a:prstDash val="sysDash"/>
             <a:extLst>
               <a:ext uri="{C807C97D-BFC1-408E-A445-0C87EB9F89A2}">
-                <ask:lineSketchStyleProps xmlns:ask="http://schemas.microsoft.com/office/drawing/2018/sketchyshapes" xmlns="" sd="1219033472">
+                <ask:lineSketchStyleProps xmlns="" xmlns:ask="http://schemas.microsoft.com/office/drawing/2018/sketchyshapes" sd="1219033472">
                   <a:custGeom>
                     <a:avLst/>
                     <a:gdLst>
@@ -10618,7 +10618,7 @@
             <a:prstDash val="sysDash"/>
             <a:extLst>
               <a:ext uri="{C807C97D-BFC1-408E-A445-0C87EB9F89A2}">
-                <ask:lineSketchStyleProps xmlns:ask="http://schemas.microsoft.com/office/drawing/2018/sketchyshapes" xmlns="" sd="1219033472">
+                <ask:lineSketchStyleProps xmlns="" xmlns:ask="http://schemas.microsoft.com/office/drawing/2018/sketchyshapes" sd="1219033472">
                   <a:custGeom>
                     <a:avLst/>
                     <a:gdLst>
@@ -10784,7 +10784,7 @@
             <a:prstDash val="sysDash"/>
             <a:extLst>
               <a:ext uri="{C807C97D-BFC1-408E-A445-0C87EB9F89A2}">
-                <ask:lineSketchStyleProps xmlns:ask="http://schemas.microsoft.com/office/drawing/2018/sketchyshapes" xmlns="" sd="1219033472">
+                <ask:lineSketchStyleProps xmlns="" xmlns:ask="http://schemas.microsoft.com/office/drawing/2018/sketchyshapes" sd="1219033472">
                   <a:custGeom>
                     <a:avLst/>
                     <a:gdLst>
@@ -11180,7 +11180,7 @@
             <a:prstDash val="sysDash"/>
             <a:extLst>
               <a:ext uri="{C807C97D-BFC1-408E-A445-0C87EB9F89A2}">
-                <ask:lineSketchStyleProps xmlns:ask="http://schemas.microsoft.com/office/drawing/2018/sketchyshapes" xmlns="" sd="1219033472">
+                <ask:lineSketchStyleProps xmlns="" xmlns:ask="http://schemas.microsoft.com/office/drawing/2018/sketchyshapes" sd="1219033472">
                   <a:custGeom>
                     <a:avLst/>
                     <a:gdLst>
@@ -11304,7 +11304,7 @@
             <a:prstDash val="sysDash"/>
             <a:extLst>
               <a:ext uri="{C807C97D-BFC1-408E-A445-0C87EB9F89A2}">
-                <ask:lineSketchStyleProps xmlns:ask="http://schemas.microsoft.com/office/drawing/2018/sketchyshapes" xmlns="" sd="1219033472">
+                <ask:lineSketchStyleProps xmlns="" xmlns:ask="http://schemas.microsoft.com/office/drawing/2018/sketchyshapes" sd="1219033472">
                   <a:custGeom>
                     <a:avLst/>
                     <a:gdLst>
@@ -11428,7 +11428,7 @@
             <a:prstDash val="sysDash"/>
             <a:extLst>
               <a:ext uri="{C807C97D-BFC1-408E-A445-0C87EB9F89A2}">
-                <ask:lineSketchStyleProps xmlns:ask="http://schemas.microsoft.com/office/drawing/2018/sketchyshapes" xmlns="" sd="1219033472">
+                <ask:lineSketchStyleProps xmlns="" xmlns:ask="http://schemas.microsoft.com/office/drawing/2018/sketchyshapes" sd="1219033472">
                   <a:custGeom>
                     <a:avLst/>
                     <a:gdLst>
@@ -11552,7 +11552,7 @@
             <a:prstDash val="sysDash"/>
             <a:extLst>
               <a:ext uri="{C807C97D-BFC1-408E-A445-0C87EB9F89A2}">
-                <ask:lineSketchStyleProps xmlns:ask="http://schemas.microsoft.com/office/drawing/2018/sketchyshapes" xmlns="" sd="1219033472">
+                <ask:lineSketchStyleProps xmlns="" xmlns:ask="http://schemas.microsoft.com/office/drawing/2018/sketchyshapes" sd="1219033472">
                   <a:custGeom>
                     <a:avLst/>
                     <a:gdLst>
@@ -11676,7 +11676,7 @@
             <a:prstDash val="sysDash"/>
             <a:extLst>
               <a:ext uri="{C807C97D-BFC1-408E-A445-0C87EB9F89A2}">
-                <ask:lineSketchStyleProps xmlns:ask="http://schemas.microsoft.com/office/drawing/2018/sketchyshapes" xmlns="" sd="1219033472">
+                <ask:lineSketchStyleProps xmlns="" xmlns:ask="http://schemas.microsoft.com/office/drawing/2018/sketchyshapes" sd="1219033472">
                   <a:custGeom>
                     <a:avLst/>
                     <a:gdLst>
@@ -11800,7 +11800,7 @@
             <a:prstDash val="sysDash"/>
             <a:extLst>
               <a:ext uri="{C807C97D-BFC1-408E-A445-0C87EB9F89A2}">
-                <ask:lineSketchStyleProps xmlns:ask="http://schemas.microsoft.com/office/drawing/2018/sketchyshapes" xmlns="" sd="1219033472">
+                <ask:lineSketchStyleProps xmlns="" xmlns:ask="http://schemas.microsoft.com/office/drawing/2018/sketchyshapes" sd="1219033472">
                   <a:custGeom>
                     <a:avLst/>
                     <a:gdLst>
@@ -11924,7 +11924,7 @@
             <a:prstDash val="sysDash"/>
             <a:extLst>
               <a:ext uri="{C807C97D-BFC1-408E-A445-0C87EB9F89A2}">
-                <ask:lineSketchStyleProps xmlns:ask="http://schemas.microsoft.com/office/drawing/2018/sketchyshapes" xmlns="" sd="1219033472">
+                <ask:lineSketchStyleProps xmlns="" xmlns:ask="http://schemas.microsoft.com/office/drawing/2018/sketchyshapes" sd="1219033472">
                   <a:custGeom>
                     <a:avLst/>
                     <a:gdLst>
@@ -12048,7 +12048,7 @@
             <a:prstDash val="sysDash"/>
             <a:extLst>
               <a:ext uri="{C807C97D-BFC1-408E-A445-0C87EB9F89A2}">
-                <ask:lineSketchStyleProps xmlns:ask="http://schemas.microsoft.com/office/drawing/2018/sketchyshapes" xmlns="" sd="1219033472">
+                <ask:lineSketchStyleProps xmlns="" xmlns:ask="http://schemas.microsoft.com/office/drawing/2018/sketchyshapes" sd="1219033472">
                   <a:custGeom>
                     <a:avLst/>
                     <a:gdLst>
@@ -12172,7 +12172,7 @@
             <a:prstDash val="sysDash"/>
             <a:extLst>
               <a:ext uri="{C807C97D-BFC1-408E-A445-0C87EB9F89A2}">
-                <ask:lineSketchStyleProps xmlns:ask="http://schemas.microsoft.com/office/drawing/2018/sketchyshapes" xmlns="" sd="1219033472">
+                <ask:lineSketchStyleProps xmlns="" xmlns:ask="http://schemas.microsoft.com/office/drawing/2018/sketchyshapes" sd="1219033472">
                   <a:custGeom>
                     <a:avLst/>
                     <a:gdLst>
@@ -13123,7 +13123,7 @@
             <a:prstDash val="sysDash"/>
             <a:extLst>
               <a:ext uri="{C807C97D-BFC1-408E-A445-0C87EB9F89A2}">
-                <ask:lineSketchStyleProps xmlns:ask="http://schemas.microsoft.com/office/drawing/2018/sketchyshapes" xmlns="" sd="1219033472">
+                <ask:lineSketchStyleProps xmlns="" xmlns:ask="http://schemas.microsoft.com/office/drawing/2018/sketchyshapes" sd="1219033472">
                   <a:custGeom>
                     <a:avLst/>
                     <a:gdLst>
@@ -13331,7 +13331,7 @@
             <a:prstDash val="sysDash"/>
             <a:extLst>
               <a:ext uri="{C807C97D-BFC1-408E-A445-0C87EB9F89A2}">
-                <ask:lineSketchStyleProps xmlns:ask="http://schemas.microsoft.com/office/drawing/2018/sketchyshapes" xmlns="" sd="1219033472">
+                <ask:lineSketchStyleProps xmlns="" xmlns:ask="http://schemas.microsoft.com/office/drawing/2018/sketchyshapes" sd="1219033472">
                   <a:custGeom>
                     <a:avLst/>
                     <a:gdLst>
@@ -13497,7 +13497,7 @@
             <a:prstDash val="sysDash"/>
             <a:extLst>
               <a:ext uri="{C807C97D-BFC1-408E-A445-0C87EB9F89A2}">
-                <ask:lineSketchStyleProps xmlns:ask="http://schemas.microsoft.com/office/drawing/2018/sketchyshapes" xmlns="" sd="1219033472">
+                <ask:lineSketchStyleProps xmlns="" xmlns:ask="http://schemas.microsoft.com/office/drawing/2018/sketchyshapes" sd="1219033472">
                   <a:custGeom>
                     <a:avLst/>
                     <a:gdLst>
@@ -14172,7 +14172,7 @@
             <a:prstDash val="sysDash"/>
             <a:extLst>
               <a:ext uri="{C807C97D-BFC1-408E-A445-0C87EB9F89A2}">
-                <ask:lineSketchStyleProps xmlns:ask="http://schemas.microsoft.com/office/drawing/2018/sketchyshapes" xmlns="" sd="1219033472">
+                <ask:lineSketchStyleProps xmlns="" xmlns:ask="http://schemas.microsoft.com/office/drawing/2018/sketchyshapes" sd="1219033472">
                   <a:custGeom>
                     <a:avLst/>
                     <a:gdLst>
@@ -14338,7 +14338,7 @@
             <a:prstDash val="sysDash"/>
             <a:extLst>
               <a:ext uri="{C807C97D-BFC1-408E-A445-0C87EB9F89A2}">
-                <ask:lineSketchStyleProps xmlns:ask="http://schemas.microsoft.com/office/drawing/2018/sketchyshapes" xmlns="" sd="1219033472">
+                <ask:lineSketchStyleProps xmlns="" xmlns:ask="http://schemas.microsoft.com/office/drawing/2018/sketchyshapes" sd="1219033472">
                   <a:custGeom>
                     <a:avLst/>
                     <a:gdLst>
@@ -14504,7 +14504,7 @@
             <a:prstDash val="sysDash"/>
             <a:extLst>
               <a:ext uri="{C807C97D-BFC1-408E-A445-0C87EB9F89A2}">
-                <ask:lineSketchStyleProps xmlns:ask="http://schemas.microsoft.com/office/drawing/2018/sketchyshapes" xmlns="" sd="1219033472">
+                <ask:lineSketchStyleProps xmlns="" xmlns:ask="http://schemas.microsoft.com/office/drawing/2018/sketchyshapes" sd="1219033472">
                   <a:custGeom>
                     <a:avLst/>
                     <a:gdLst>
@@ -18721,8 +18721,8 @@
         </p:nvSpPr>
         <p:spPr>
           <a:xfrm>
-            <a:off x="4659966" y="3267696"/>
-            <a:ext cx="2171044" cy="307777"/>
+            <a:off x="5685455" y="4063527"/>
+            <a:ext cx="2392258" cy="307777"/>
           </a:xfrm>
           <a:prstGeom prst="rect">
             <a:avLst/>
@@ -18761,14 +18761,7 @@
                 <a:latin typeface="리디바탕" panose="020B0600000101010101" pitchFamily="34" charset="-127"/>
                 <a:ea typeface="리디바탕" panose="020B0600000101010101" pitchFamily="34" charset="-127"/>
               </a:rPr>
-              <a:t>등 </a:t>
-            </a:r>
-            <a:r>
-              <a:rPr lang="ko-KR" altLang="en-US" sz="1400" dirty="0" err="1" smtClean="0">
-                <a:latin typeface="리디바탕" panose="020B0600000101010101" pitchFamily="34" charset="-127"/>
-                <a:ea typeface="리디바탕" panose="020B0600000101010101" pitchFamily="34" charset="-127"/>
-              </a:rPr>
-              <a:t>등</a:t>
+              <a:t>등 으로 </a:t>
             </a:r>
             <a:r>
               <a:rPr lang="en-US" altLang="ko-KR" sz="1400" dirty="0" smtClean="0">
@@ -18907,7 +18900,7 @@
         </p:nvSpPr>
         <p:spPr>
           <a:xfrm>
-            <a:off x="4658599" y="2899396"/>
+            <a:off x="4658599" y="3449483"/>
             <a:ext cx="1683410" cy="307777"/>
           </a:xfrm>
           <a:prstGeom prst="rect">
@@ -18949,7 +18942,7 @@
         </p:nvSpPr>
         <p:spPr>
           <a:xfrm>
-            <a:off x="8303382" y="4299511"/>
+            <a:off x="8303382" y="4061701"/>
             <a:ext cx="2787943" cy="307777"/>
           </a:xfrm>
           <a:prstGeom prst="rect">
@@ -19047,7 +19040,7 @@
         </p:nvSpPr>
         <p:spPr>
           <a:xfrm>
-            <a:off x="6501924" y="2899396"/>
+            <a:off x="6501924" y="3449483"/>
             <a:ext cx="1799723" cy="307777"/>
           </a:xfrm>
           <a:prstGeom prst="rect">
@@ -19089,7 +19082,7 @@
         </p:nvSpPr>
         <p:spPr>
           <a:xfrm>
-            <a:off x="8571626" y="2899396"/>
+            <a:off x="8571626" y="3449483"/>
             <a:ext cx="1466748" cy="307777"/>
           </a:xfrm>
           <a:prstGeom prst="rect">

--- a/documentum/건축심화세미나/2023/이벤트 특강/python, 과연 엑셀보다 어려운가.pptx
+++ b/documentum/건축심화세미나/2023/이벤트 특강/python, 과연 엑셀보다 어려운가.pptx
@@ -19,36 +19,37 @@
     <p:sldId id="260" r:id="rId13"/>
     <p:sldId id="297" r:id="rId14"/>
     <p:sldId id="300" r:id="rId15"/>
-    <p:sldId id="301" r:id="rId16"/>
-    <p:sldId id="296" r:id="rId17"/>
-    <p:sldId id="263" r:id="rId18"/>
-    <p:sldId id="302" r:id="rId19"/>
-    <p:sldId id="303" r:id="rId20"/>
-    <p:sldId id="264" r:id="rId21"/>
-    <p:sldId id="266" r:id="rId22"/>
-    <p:sldId id="304" r:id="rId23"/>
-    <p:sldId id="267" r:id="rId24"/>
-    <p:sldId id="283" r:id="rId25"/>
-    <p:sldId id="284" r:id="rId26"/>
-    <p:sldId id="285" r:id="rId27"/>
-    <p:sldId id="287" r:id="rId28"/>
-    <p:sldId id="288" r:id="rId29"/>
-    <p:sldId id="289" r:id="rId30"/>
-    <p:sldId id="290" r:id="rId31"/>
-    <p:sldId id="270" r:id="rId32"/>
-    <p:sldId id="286" r:id="rId33"/>
-    <p:sldId id="291" r:id="rId34"/>
-    <p:sldId id="292" r:id="rId35"/>
-    <p:sldId id="293" r:id="rId36"/>
-    <p:sldId id="271" r:id="rId37"/>
-    <p:sldId id="272" r:id="rId38"/>
-    <p:sldId id="273" r:id="rId39"/>
-    <p:sldId id="274" r:id="rId40"/>
-    <p:sldId id="275" r:id="rId41"/>
-    <p:sldId id="276" r:id="rId42"/>
-    <p:sldId id="277" r:id="rId43"/>
-    <p:sldId id="278" r:id="rId44"/>
-    <p:sldId id="279" r:id="rId45"/>
+    <p:sldId id="308" r:id="rId16"/>
+    <p:sldId id="301" r:id="rId17"/>
+    <p:sldId id="296" r:id="rId18"/>
+    <p:sldId id="263" r:id="rId19"/>
+    <p:sldId id="302" r:id="rId20"/>
+    <p:sldId id="303" r:id="rId21"/>
+    <p:sldId id="264" r:id="rId22"/>
+    <p:sldId id="266" r:id="rId23"/>
+    <p:sldId id="304" r:id="rId24"/>
+    <p:sldId id="267" r:id="rId25"/>
+    <p:sldId id="283" r:id="rId26"/>
+    <p:sldId id="284" r:id="rId27"/>
+    <p:sldId id="285" r:id="rId28"/>
+    <p:sldId id="287" r:id="rId29"/>
+    <p:sldId id="288" r:id="rId30"/>
+    <p:sldId id="289" r:id="rId31"/>
+    <p:sldId id="290" r:id="rId32"/>
+    <p:sldId id="270" r:id="rId33"/>
+    <p:sldId id="286" r:id="rId34"/>
+    <p:sldId id="291" r:id="rId35"/>
+    <p:sldId id="292" r:id="rId36"/>
+    <p:sldId id="293" r:id="rId37"/>
+    <p:sldId id="271" r:id="rId38"/>
+    <p:sldId id="272" r:id="rId39"/>
+    <p:sldId id="273" r:id="rId40"/>
+    <p:sldId id="274" r:id="rId41"/>
+    <p:sldId id="275" r:id="rId42"/>
+    <p:sldId id="276" r:id="rId43"/>
+    <p:sldId id="277" r:id="rId44"/>
+    <p:sldId id="278" r:id="rId45"/>
+    <p:sldId id="279" r:id="rId46"/>
   </p:sldIdLst>
   <p:sldSz cx="12192000" cy="6858000"/>
   <p:notesSz cx="6858000" cy="9144000"/>
@@ -284,7 +285,7 @@
           <a:p>
             <a:fld id="{9F8E3D10-EFBF-43F2-A33E-B91DB5005614}" type="datetimeFigureOut">
               <a:rPr lang="ko-KR" altLang="en-US" smtClean="0"/>
-              <a:t>2023-02-23</a:t>
+              <a:t>2023-02-24</a:t>
             </a:fld>
             <a:endParaRPr lang="ko-KR" altLang="en-US"/>
           </a:p>
@@ -452,7 +453,7 @@
           <a:p>
             <a:fld id="{9F8E3D10-EFBF-43F2-A33E-B91DB5005614}" type="datetimeFigureOut">
               <a:rPr lang="ko-KR" altLang="en-US" smtClean="0"/>
-              <a:t>2023-02-23</a:t>
+              <a:t>2023-02-24</a:t>
             </a:fld>
             <a:endParaRPr lang="ko-KR" altLang="en-US"/>
           </a:p>
@@ -630,7 +631,7 @@
           <a:p>
             <a:fld id="{9F8E3D10-EFBF-43F2-A33E-B91DB5005614}" type="datetimeFigureOut">
               <a:rPr lang="ko-KR" altLang="en-US" smtClean="0"/>
-              <a:t>2023-02-23</a:t>
+              <a:t>2023-02-24</a:t>
             </a:fld>
             <a:endParaRPr lang="ko-KR" altLang="en-US"/>
           </a:p>
@@ -798,7 +799,7 @@
           <a:p>
             <a:fld id="{9F8E3D10-EFBF-43F2-A33E-B91DB5005614}" type="datetimeFigureOut">
               <a:rPr lang="ko-KR" altLang="en-US" smtClean="0"/>
-              <a:t>2023-02-23</a:t>
+              <a:t>2023-02-24</a:t>
             </a:fld>
             <a:endParaRPr lang="ko-KR" altLang="en-US"/>
           </a:p>
@@ -1043,7 +1044,7 @@
           <a:p>
             <a:fld id="{9F8E3D10-EFBF-43F2-A33E-B91DB5005614}" type="datetimeFigureOut">
               <a:rPr lang="ko-KR" altLang="en-US" smtClean="0"/>
-              <a:t>2023-02-23</a:t>
+              <a:t>2023-02-24</a:t>
             </a:fld>
             <a:endParaRPr lang="ko-KR" altLang="en-US"/>
           </a:p>
@@ -1272,7 +1273,7 @@
           <a:p>
             <a:fld id="{9F8E3D10-EFBF-43F2-A33E-B91DB5005614}" type="datetimeFigureOut">
               <a:rPr lang="ko-KR" altLang="en-US" smtClean="0"/>
-              <a:t>2023-02-23</a:t>
+              <a:t>2023-02-24</a:t>
             </a:fld>
             <a:endParaRPr lang="ko-KR" altLang="en-US"/>
           </a:p>
@@ -1636,7 +1637,7 @@
           <a:p>
             <a:fld id="{9F8E3D10-EFBF-43F2-A33E-B91DB5005614}" type="datetimeFigureOut">
               <a:rPr lang="ko-KR" altLang="en-US" smtClean="0"/>
-              <a:t>2023-02-23</a:t>
+              <a:t>2023-02-24</a:t>
             </a:fld>
             <a:endParaRPr lang="ko-KR" altLang="en-US"/>
           </a:p>
@@ -1753,7 +1754,7 @@
           <a:p>
             <a:fld id="{9F8E3D10-EFBF-43F2-A33E-B91DB5005614}" type="datetimeFigureOut">
               <a:rPr lang="ko-KR" altLang="en-US" smtClean="0"/>
-              <a:t>2023-02-23</a:t>
+              <a:t>2023-02-24</a:t>
             </a:fld>
             <a:endParaRPr lang="ko-KR" altLang="en-US"/>
           </a:p>
@@ -1848,7 +1849,7 @@
           <a:p>
             <a:fld id="{9F8E3D10-EFBF-43F2-A33E-B91DB5005614}" type="datetimeFigureOut">
               <a:rPr lang="ko-KR" altLang="en-US" smtClean="0"/>
-              <a:t>2023-02-23</a:t>
+              <a:t>2023-02-24</a:t>
             </a:fld>
             <a:endParaRPr lang="ko-KR" altLang="en-US"/>
           </a:p>
@@ -2123,7 +2124,7 @@
           <a:p>
             <a:fld id="{9F8E3D10-EFBF-43F2-A33E-B91DB5005614}" type="datetimeFigureOut">
               <a:rPr lang="ko-KR" altLang="en-US" smtClean="0"/>
-              <a:t>2023-02-23</a:t>
+              <a:t>2023-02-24</a:t>
             </a:fld>
             <a:endParaRPr lang="ko-KR" altLang="en-US"/>
           </a:p>
@@ -2375,7 +2376,7 @@
           <a:p>
             <a:fld id="{9F8E3D10-EFBF-43F2-A33E-B91DB5005614}" type="datetimeFigureOut">
               <a:rPr lang="ko-KR" altLang="en-US" smtClean="0"/>
-              <a:t>2023-02-23</a:t>
+              <a:t>2023-02-24</a:t>
             </a:fld>
             <a:endParaRPr lang="ko-KR" altLang="en-US"/>
           </a:p>
@@ -2586,7 +2587,7 @@
           <a:p>
             <a:fld id="{9F8E3D10-EFBF-43F2-A33E-B91DB5005614}" type="datetimeFigureOut">
               <a:rPr lang="ko-KR" altLang="en-US" smtClean="0"/>
-              <a:t>2023-02-23</a:t>
+              <a:t>2023-02-24</a:t>
             </a:fld>
             <a:endParaRPr lang="ko-KR" altLang="en-US"/>
           </a:p>
@@ -3612,7 +3613,7 @@
             <a:prstDash val="sysDash"/>
             <a:extLst>
               <a:ext uri="{C807C97D-BFC1-408E-A445-0C87EB9F89A2}">
-                <ask:lineSketchStyleProps xmlns="" xmlns:ask="http://schemas.microsoft.com/office/drawing/2018/sketchyshapes" sd="1219033472">
+                <ask:lineSketchStyleProps xmlns:ask="http://schemas.microsoft.com/office/drawing/2018/sketchyshapes" xmlns="" sd="1219033472">
                   <a:custGeom>
                     <a:avLst/>
                     <a:gdLst>
@@ -3844,7 +3845,7 @@
             <a:prstDash val="sysDash"/>
             <a:extLst>
               <a:ext uri="{C807C97D-BFC1-408E-A445-0C87EB9F89A2}">
-                <ask:lineSketchStyleProps xmlns="" xmlns:ask="http://schemas.microsoft.com/office/drawing/2018/sketchyshapes" sd="1219033472">
+                <ask:lineSketchStyleProps xmlns:ask="http://schemas.microsoft.com/office/drawing/2018/sketchyshapes" xmlns="" sd="1219033472">
                   <a:custGeom>
                     <a:avLst/>
                     <a:gdLst>
@@ -3968,7 +3969,7 @@
             <a:prstDash val="sysDash"/>
             <a:extLst>
               <a:ext uri="{C807C97D-BFC1-408E-A445-0C87EB9F89A2}">
-                <ask:lineSketchStyleProps xmlns="" xmlns:ask="http://schemas.microsoft.com/office/drawing/2018/sketchyshapes" sd="1219033472">
+                <ask:lineSketchStyleProps xmlns:ask="http://schemas.microsoft.com/office/drawing/2018/sketchyshapes" xmlns="" sd="1219033472">
                   <a:custGeom>
                     <a:avLst/>
                     <a:gdLst>
@@ -4092,7 +4093,7 @@
             <a:prstDash val="sysDash"/>
             <a:extLst>
               <a:ext uri="{C807C97D-BFC1-408E-A445-0C87EB9F89A2}">
-                <ask:lineSketchStyleProps xmlns="" xmlns:ask="http://schemas.microsoft.com/office/drawing/2018/sketchyshapes" sd="1219033472">
+                <ask:lineSketchStyleProps xmlns:ask="http://schemas.microsoft.com/office/drawing/2018/sketchyshapes" xmlns="" sd="1219033472">
                   <a:custGeom>
                     <a:avLst/>
                     <a:gdLst>
@@ -4216,7 +4217,7 @@
             <a:prstDash val="sysDash"/>
             <a:extLst>
               <a:ext uri="{C807C97D-BFC1-408E-A445-0C87EB9F89A2}">
-                <ask:lineSketchStyleProps xmlns="" xmlns:ask="http://schemas.microsoft.com/office/drawing/2018/sketchyshapes" sd="1219033472">
+                <ask:lineSketchStyleProps xmlns:ask="http://schemas.microsoft.com/office/drawing/2018/sketchyshapes" xmlns="" sd="1219033472">
                   <a:custGeom>
                     <a:avLst/>
                     <a:gdLst>
@@ -4369,7 +4370,7 @@
             <a:prstDash val="sysDash"/>
             <a:extLst>
               <a:ext uri="{C807C97D-BFC1-408E-A445-0C87EB9F89A2}">
-                <ask:lineSketchStyleProps xmlns="" xmlns:ask="http://schemas.microsoft.com/office/drawing/2018/sketchyshapes" sd="1219033472">
+                <ask:lineSketchStyleProps xmlns:ask="http://schemas.microsoft.com/office/drawing/2018/sketchyshapes" xmlns="" sd="1219033472">
                   <a:custGeom>
                     <a:avLst/>
                     <a:gdLst>
@@ -4493,7 +4494,7 @@
             <a:prstDash val="sysDash"/>
             <a:extLst>
               <a:ext uri="{C807C97D-BFC1-408E-A445-0C87EB9F89A2}">
-                <ask:lineSketchStyleProps xmlns="" xmlns:ask="http://schemas.microsoft.com/office/drawing/2018/sketchyshapes" sd="1219033472">
+                <ask:lineSketchStyleProps xmlns:ask="http://schemas.microsoft.com/office/drawing/2018/sketchyshapes" xmlns="" sd="1219033472">
                   <a:custGeom>
                     <a:avLst/>
                     <a:gdLst>
@@ -4617,7 +4618,7 @@
             <a:prstDash val="sysDash"/>
             <a:extLst>
               <a:ext uri="{C807C97D-BFC1-408E-A445-0C87EB9F89A2}">
-                <ask:lineSketchStyleProps xmlns="" xmlns:ask="http://schemas.microsoft.com/office/drawing/2018/sketchyshapes" sd="1219033472">
+                <ask:lineSketchStyleProps xmlns:ask="http://schemas.microsoft.com/office/drawing/2018/sketchyshapes" xmlns="" sd="1219033472">
                   <a:custGeom>
                     <a:avLst/>
                     <a:gdLst>
@@ -4741,7 +4742,7 @@
             <a:prstDash val="sysDash"/>
             <a:extLst>
               <a:ext uri="{C807C97D-BFC1-408E-A445-0C87EB9F89A2}">
-                <ask:lineSketchStyleProps xmlns="" xmlns:ask="http://schemas.microsoft.com/office/drawing/2018/sketchyshapes" sd="1219033472">
+                <ask:lineSketchStyleProps xmlns:ask="http://schemas.microsoft.com/office/drawing/2018/sketchyshapes" xmlns="" sd="1219033472">
                   <a:custGeom>
                     <a:avLst/>
                     <a:gdLst>
@@ -4865,7 +4866,7 @@
             <a:prstDash val="sysDash"/>
             <a:extLst>
               <a:ext uri="{C807C97D-BFC1-408E-A445-0C87EB9F89A2}">
-                <ask:lineSketchStyleProps xmlns="" xmlns:ask="http://schemas.microsoft.com/office/drawing/2018/sketchyshapes" sd="1219033472">
+                <ask:lineSketchStyleProps xmlns:ask="http://schemas.microsoft.com/office/drawing/2018/sketchyshapes" xmlns="" sd="1219033472">
                   <a:custGeom>
                     <a:avLst/>
                     <a:gdLst>
@@ -4989,7 +4990,7 @@
             <a:prstDash val="sysDash"/>
             <a:extLst>
               <a:ext uri="{C807C97D-BFC1-408E-A445-0C87EB9F89A2}">
-                <ask:lineSketchStyleProps xmlns="" xmlns:ask="http://schemas.microsoft.com/office/drawing/2018/sketchyshapes" sd="1219033472">
+                <ask:lineSketchStyleProps xmlns:ask="http://schemas.microsoft.com/office/drawing/2018/sketchyshapes" xmlns="" sd="1219033472">
                   <a:custGeom>
                     <a:avLst/>
                     <a:gdLst>
@@ -5372,7 +5373,7 @@
             <a:prstDash val="sysDash"/>
             <a:extLst>
               <a:ext uri="{C807C97D-BFC1-408E-A445-0C87EB9F89A2}">
-                <ask:lineSketchStyleProps xmlns="" xmlns:ask="http://schemas.microsoft.com/office/drawing/2018/sketchyshapes" sd="1219033472">
+                <ask:lineSketchStyleProps xmlns:ask="http://schemas.microsoft.com/office/drawing/2018/sketchyshapes" xmlns="" sd="1219033472">
                   <a:custGeom>
                     <a:avLst/>
                     <a:gdLst>
@@ -5525,7 +5526,7 @@
             <a:prstDash val="sysDash"/>
             <a:extLst>
               <a:ext uri="{C807C97D-BFC1-408E-A445-0C87EB9F89A2}">
-                <ask:lineSketchStyleProps xmlns="" xmlns:ask="http://schemas.microsoft.com/office/drawing/2018/sketchyshapes" sd="1219033472">
+                <ask:lineSketchStyleProps xmlns:ask="http://schemas.microsoft.com/office/drawing/2018/sketchyshapes" xmlns="" sd="1219033472">
                   <a:custGeom>
                     <a:avLst/>
                     <a:gdLst>
@@ -5649,7 +5650,7 @@
             <a:prstDash val="sysDash"/>
             <a:extLst>
               <a:ext uri="{C807C97D-BFC1-408E-A445-0C87EB9F89A2}">
-                <ask:lineSketchStyleProps xmlns="" xmlns:ask="http://schemas.microsoft.com/office/drawing/2018/sketchyshapes" sd="1219033472">
+                <ask:lineSketchStyleProps xmlns:ask="http://schemas.microsoft.com/office/drawing/2018/sketchyshapes" xmlns="" sd="1219033472">
                   <a:custGeom>
                     <a:avLst/>
                     <a:gdLst>
@@ -5773,7 +5774,7 @@
             <a:prstDash val="sysDash"/>
             <a:extLst>
               <a:ext uri="{C807C97D-BFC1-408E-A445-0C87EB9F89A2}">
-                <ask:lineSketchStyleProps xmlns="" xmlns:ask="http://schemas.microsoft.com/office/drawing/2018/sketchyshapes" sd="1219033472">
+                <ask:lineSketchStyleProps xmlns:ask="http://schemas.microsoft.com/office/drawing/2018/sketchyshapes" xmlns="" sd="1219033472">
                   <a:custGeom>
                     <a:avLst/>
                     <a:gdLst>
@@ -5897,7 +5898,7 @@
             <a:prstDash val="sysDash"/>
             <a:extLst>
               <a:ext uri="{C807C97D-BFC1-408E-A445-0C87EB9F89A2}">
-                <ask:lineSketchStyleProps xmlns="" xmlns:ask="http://schemas.microsoft.com/office/drawing/2018/sketchyshapes" sd="1219033472">
+                <ask:lineSketchStyleProps xmlns:ask="http://schemas.microsoft.com/office/drawing/2018/sketchyshapes" xmlns="" sd="1219033472">
                   <a:custGeom>
                     <a:avLst/>
                     <a:gdLst>
@@ -6021,7 +6022,7 @@
             <a:prstDash val="sysDash"/>
             <a:extLst>
               <a:ext uri="{C807C97D-BFC1-408E-A445-0C87EB9F89A2}">
-                <ask:lineSketchStyleProps xmlns="" xmlns:ask="http://schemas.microsoft.com/office/drawing/2018/sketchyshapes" sd="1219033472">
+                <ask:lineSketchStyleProps xmlns:ask="http://schemas.microsoft.com/office/drawing/2018/sketchyshapes" xmlns="" sd="1219033472">
                   <a:custGeom>
                     <a:avLst/>
                     <a:gdLst>
@@ -6145,7 +6146,7 @@
             <a:prstDash val="sysDash"/>
             <a:extLst>
               <a:ext uri="{C807C97D-BFC1-408E-A445-0C87EB9F89A2}">
-                <ask:lineSketchStyleProps xmlns="" xmlns:ask="http://schemas.microsoft.com/office/drawing/2018/sketchyshapes" sd="1219033472">
+                <ask:lineSketchStyleProps xmlns:ask="http://schemas.microsoft.com/office/drawing/2018/sketchyshapes" xmlns="" sd="1219033472">
                   <a:custGeom>
                     <a:avLst/>
                     <a:gdLst>
@@ -6269,7 +6270,7 @@
             <a:prstDash val="sysDash"/>
             <a:extLst>
               <a:ext uri="{C807C97D-BFC1-408E-A445-0C87EB9F89A2}">
-                <ask:lineSketchStyleProps xmlns="" xmlns:ask="http://schemas.microsoft.com/office/drawing/2018/sketchyshapes" sd="1219033472">
+                <ask:lineSketchStyleProps xmlns:ask="http://schemas.microsoft.com/office/drawing/2018/sketchyshapes" xmlns="" sd="1219033472">
                   <a:custGeom>
                     <a:avLst/>
                     <a:gdLst>
@@ -6393,7 +6394,7 @@
             <a:prstDash val="sysDash"/>
             <a:extLst>
               <a:ext uri="{C807C97D-BFC1-408E-A445-0C87EB9F89A2}">
-                <ask:lineSketchStyleProps xmlns="" xmlns:ask="http://schemas.microsoft.com/office/drawing/2018/sketchyshapes" sd="1219033472">
+                <ask:lineSketchStyleProps xmlns:ask="http://schemas.microsoft.com/office/drawing/2018/sketchyshapes" xmlns="" sd="1219033472">
                   <a:custGeom>
                     <a:avLst/>
                     <a:gdLst>
@@ -6517,7 +6518,7 @@
             <a:prstDash val="sysDash"/>
             <a:extLst>
               <a:ext uri="{C807C97D-BFC1-408E-A445-0C87EB9F89A2}">
-                <ask:lineSketchStyleProps xmlns="" xmlns:ask="http://schemas.microsoft.com/office/drawing/2018/sketchyshapes" sd="1219033472">
+                <ask:lineSketchStyleProps xmlns:ask="http://schemas.microsoft.com/office/drawing/2018/sketchyshapes" xmlns="" sd="1219033472">
                   <a:custGeom>
                     <a:avLst/>
                     <a:gdLst>
@@ -6641,7 +6642,7 @@
             <a:prstDash val="sysDash"/>
             <a:extLst>
               <a:ext uri="{C807C97D-BFC1-408E-A445-0C87EB9F89A2}">
-                <ask:lineSketchStyleProps xmlns="" xmlns:ask="http://schemas.microsoft.com/office/drawing/2018/sketchyshapes" sd="1219033472">
+                <ask:lineSketchStyleProps xmlns:ask="http://schemas.microsoft.com/office/drawing/2018/sketchyshapes" xmlns="" sd="1219033472">
                   <a:custGeom>
                     <a:avLst/>
                     <a:gdLst>
@@ -7314,6 +7315,83 @@
       </p:grpSpPr>
       <p:sp>
         <p:nvSpPr>
+          <p:cNvPr id="30" name="TextBox 29"/>
+          <p:cNvSpPr txBox="1"/>
+          <p:nvPr/>
+        </p:nvSpPr>
+        <p:spPr>
+          <a:xfrm>
+            <a:off x="1571625" y="2037933"/>
+            <a:ext cx="3171061" cy="584775"/>
+          </a:xfrm>
+          <a:prstGeom prst="rect">
+            <a:avLst/>
+          </a:prstGeom>
+          <a:noFill/>
+        </p:spPr>
+        <p:txBody>
+          <a:bodyPr wrap="none" rtlCol="0">
+            <a:spAutoFit/>
+          </a:bodyPr>
+          <a:lstStyle/>
+          <a:p>
+            <a:r>
+              <a:rPr lang="en-US" altLang="ko-KR" sz="3200" dirty="0" smtClean="0">
+                <a:latin typeface="리디바탕" panose="020B0600000101010101" pitchFamily="34" charset="-127"/>
+                <a:ea typeface="리디바탕" panose="020B0600000101010101" pitchFamily="34" charset="-127"/>
+              </a:rPr>
+              <a:t>=</a:t>
+            </a:r>
+            <a:r>
+              <a:rPr lang="en-US" altLang="ko-KR" sz="3200" dirty="0" smtClean="0">
+                <a:solidFill>
+                  <a:srgbClr val="FF00FF"/>
+                </a:solidFill>
+                <a:latin typeface="리디바탕" panose="020B0600000101010101" pitchFamily="34" charset="-127"/>
+                <a:ea typeface="리디바탕" panose="020B0600000101010101" pitchFamily="34" charset="-127"/>
+              </a:rPr>
+              <a:t>SUM</a:t>
+            </a:r>
+            <a:r>
+              <a:rPr lang="en-US" altLang="ko-KR" sz="3200" dirty="0" smtClean="0">
+                <a:latin typeface="리디바탕" panose="020B0600000101010101" pitchFamily="34" charset="-127"/>
+                <a:ea typeface="리디바탕" panose="020B0600000101010101" pitchFamily="34" charset="-127"/>
+              </a:rPr>
+              <a:t> ( </a:t>
+            </a:r>
+            <a:r>
+              <a:rPr lang="en-US" altLang="ko-KR" sz="3200" dirty="0" smtClean="0">
+                <a:solidFill>
+                  <a:srgbClr val="FF0000"/>
+                </a:solidFill>
+                <a:latin typeface="리디바탕" panose="020B0600000101010101" pitchFamily="34" charset="-127"/>
+                <a:ea typeface="리디바탕" panose="020B0600000101010101" pitchFamily="34" charset="-127"/>
+              </a:rPr>
+              <a:t>B8:B14</a:t>
+            </a:r>
+            <a:r>
+              <a:rPr lang="en-US" altLang="ko-KR" sz="3200" dirty="0" smtClean="0">
+                <a:latin typeface="리디바탕" panose="020B0600000101010101" pitchFamily="34" charset="-127"/>
+                <a:ea typeface="리디바탕" panose="020B0600000101010101" pitchFamily="34" charset="-127"/>
+              </a:rPr>
+              <a:t> </a:t>
+            </a:r>
+            <a:r>
+              <a:rPr lang="en-US" altLang="ko-KR" sz="3200" dirty="0" smtClean="0">
+                <a:latin typeface="리디바탕" panose="020B0600000101010101" pitchFamily="34" charset="-127"/>
+                <a:ea typeface="리디바탕" panose="020B0600000101010101" pitchFamily="34" charset="-127"/>
+              </a:rPr>
+              <a:t>)</a:t>
+            </a:r>
+            <a:endParaRPr lang="ko-KR" altLang="en-US" sz="3200" dirty="0">
+              <a:latin typeface="리디바탕" panose="020B0600000101010101" pitchFamily="34" charset="-127"/>
+              <a:ea typeface="리디바탕" panose="020B0600000101010101" pitchFamily="34" charset="-127"/>
+            </a:endParaRPr>
+          </a:p>
+        </p:txBody>
+      </p:sp>
+      <p:sp>
+        <p:nvSpPr>
           <p:cNvPr id="2" name="직사각형 1"/>
           <p:cNvSpPr/>
           <p:nvPr/>
@@ -7361,16 +7439,67 @@
           </a:p>
         </p:txBody>
       </p:sp>
-      <p:sp>
-        <p:nvSpPr>
-          <p:cNvPr id="34" name="TextBox 33"/>
+      <p:cxnSp>
+        <p:nvCxnSpPr>
+          <p:cNvPr id="4" name="직선 연결선 3"/>
+          <p:cNvCxnSpPr/>
+          <p:nvPr/>
+        </p:nvCxnSpPr>
+        <p:spPr>
+          <a:xfrm flipH="1">
+            <a:off x="6087444" y="965624"/>
+            <a:ext cx="8556" cy="3644476"/>
+          </a:xfrm>
+          <a:prstGeom prst="line">
+            <a:avLst/>
+          </a:prstGeom>
+          <a:ln>
+            <a:gradFill>
+              <a:gsLst>
+                <a:gs pos="54000">
+                  <a:schemeClr val="tx1"/>
+                </a:gs>
+                <a:gs pos="6000">
+                  <a:schemeClr val="bg1"/>
+                </a:gs>
+                <a:gs pos="89000">
+                  <a:schemeClr val="bg1">
+                    <a:lumMod val="50000"/>
+                  </a:schemeClr>
+                </a:gs>
+                <a:gs pos="92000">
+                  <a:schemeClr val="bg1"/>
+                </a:gs>
+              </a:gsLst>
+              <a:lin ang="5400000" scaled="1"/>
+            </a:gradFill>
+          </a:ln>
+        </p:spPr>
+        <p:style>
+          <a:lnRef idx="1">
+            <a:schemeClr val="accent1"/>
+          </a:lnRef>
+          <a:fillRef idx="0">
+            <a:schemeClr val="accent1"/>
+          </a:fillRef>
+          <a:effectRef idx="0">
+            <a:schemeClr val="accent1"/>
+          </a:effectRef>
+          <a:fontRef idx="minor">
+            <a:schemeClr val="tx1"/>
+          </a:fontRef>
+        </p:style>
+      </p:cxnSp>
+      <p:sp>
+        <p:nvSpPr>
+          <p:cNvPr id="32" name="TextBox 31"/>
           <p:cNvSpPr txBox="1"/>
           <p:nvPr/>
         </p:nvSpPr>
         <p:spPr>
           <a:xfrm>
-            <a:off x="4871145" y="1427666"/>
-            <a:ext cx="2270173" cy="584775"/>
+            <a:off x="1571625" y="3637466"/>
+            <a:ext cx="2561920" cy="584775"/>
           </a:xfrm>
           <a:prstGeom prst="rect">
             <a:avLst/>
@@ -7383,6 +7512,13 @@
           </a:bodyPr>
           <a:lstStyle/>
           <a:p>
+            <a:r>
+              <a:rPr lang="en-US" altLang="ko-KR" sz="3200" dirty="0" smtClean="0">
+                <a:latin typeface="리디바탕" panose="020B0600000101010101" pitchFamily="34" charset="-127"/>
+                <a:ea typeface="리디바탕" panose="020B0600000101010101" pitchFamily="34" charset="-127"/>
+              </a:rPr>
+              <a:t>=</a:t>
+            </a:r>
             <a:r>
               <a:rPr lang="ko-KR" altLang="en-US" sz="3200" dirty="0" smtClean="0">
                 <a:solidFill>
@@ -7391,26 +7527,14 @@
                 <a:latin typeface="리디바탕" panose="020B0600000101010101" pitchFamily="34" charset="-127"/>
                 <a:ea typeface="리디바탕" panose="020B0600000101010101" pitchFamily="34" charset="-127"/>
               </a:rPr>
-              <a:t>규칙 </a:t>
+              <a:t>규칙</a:t>
             </a:r>
             <a:r>
               <a:rPr lang="en-US" altLang="ko-KR" sz="3200" dirty="0" smtClean="0">
-                <a:solidFill>
-                  <a:schemeClr val="bg1">
-                    <a:lumMod val="50000"/>
-                  </a:schemeClr>
-                </a:solidFill>
-                <a:latin typeface="리디바탕" panose="020B0600000101010101" pitchFamily="34" charset="-127"/>
-                <a:ea typeface="리디바탕" panose="020B0600000101010101" pitchFamily="34" charset="-127"/>
-              </a:rPr>
-              <a:t>&amp;</a:t>
-            </a:r>
-            <a:r>
-              <a:rPr lang="en-US" altLang="ko-KR" sz="3200" dirty="0" smtClean="0">
-                <a:latin typeface="리디바탕" panose="020B0600000101010101" pitchFamily="34" charset="-127"/>
-                <a:ea typeface="리디바탕" panose="020B0600000101010101" pitchFamily="34" charset="-127"/>
-              </a:rPr>
-              <a:t> </a:t>
+                <a:latin typeface="리디바탕" panose="020B0600000101010101" pitchFamily="34" charset="-127"/>
+                <a:ea typeface="리디바탕" panose="020B0600000101010101" pitchFamily="34" charset="-127"/>
+              </a:rPr>
+              <a:t> ( </a:t>
             </a:r>
             <a:r>
               <a:rPr lang="ko-KR" altLang="en-US" sz="3200" dirty="0" smtClean="0">
@@ -7422,6 +7546,13 @@
               </a:rPr>
               <a:t>재료</a:t>
             </a:r>
+            <a:r>
+              <a:rPr lang="en-US" altLang="ko-KR" sz="3200" dirty="0" smtClean="0">
+                <a:latin typeface="리디바탕" panose="020B0600000101010101" pitchFamily="34" charset="-127"/>
+                <a:ea typeface="리디바탕" panose="020B0600000101010101" pitchFamily="34" charset="-127"/>
+              </a:rPr>
+              <a:t> )</a:t>
+            </a:r>
             <a:endParaRPr lang="ko-KR" altLang="en-US" sz="3200" dirty="0">
               <a:latin typeface="리디바탕" panose="020B0600000101010101" pitchFamily="34" charset="-127"/>
               <a:ea typeface="리디바탕" panose="020B0600000101010101" pitchFamily="34" charset="-127"/>
@@ -7431,14 +7562,14 @@
       </p:sp>
       <p:sp>
         <p:nvSpPr>
-          <p:cNvPr id="10" name="TextBox 9"/>
+          <p:cNvPr id="33" name="TextBox 32"/>
           <p:cNvSpPr txBox="1"/>
           <p:nvPr/>
         </p:nvSpPr>
         <p:spPr>
           <a:xfrm>
-            <a:off x="1746945" y="2913566"/>
-            <a:ext cx="8454559" cy="584775"/>
+            <a:off x="7811717" y="2037933"/>
+            <a:ext cx="2345514" cy="584775"/>
           </a:xfrm>
           <a:prstGeom prst="rect">
             <a:avLst/>
@@ -7451,6 +7582,93 @@
           </a:bodyPr>
           <a:lstStyle/>
           <a:p>
+            <a:r>
+              <a:rPr lang="en-US" altLang="ko-KR" sz="3200" dirty="0" smtClean="0">
+                <a:solidFill>
+                  <a:srgbClr val="FF00FF"/>
+                </a:solidFill>
+                <a:latin typeface="리디바탕" panose="020B0600000101010101" pitchFamily="34" charset="-127"/>
+                <a:ea typeface="리디바탕" panose="020B0600000101010101" pitchFamily="34" charset="-127"/>
+              </a:rPr>
+              <a:t>sum</a:t>
+            </a:r>
+            <a:r>
+              <a:rPr lang="en-US" altLang="ko-KR" sz="3200" dirty="0" smtClean="0">
+                <a:latin typeface="리디바탕" panose="020B0600000101010101" pitchFamily="34" charset="-127"/>
+                <a:ea typeface="리디바탕" panose="020B0600000101010101" pitchFamily="34" charset="-127"/>
+              </a:rPr>
+              <a:t> ( </a:t>
+            </a:r>
+            <a:r>
+              <a:rPr lang="en-US" altLang="ko-KR" sz="3200" dirty="0" smtClean="0">
+                <a:solidFill>
+                  <a:srgbClr val="FF0000"/>
+                </a:solidFill>
+                <a:latin typeface="리디바탕" panose="020B0600000101010101" pitchFamily="34" charset="-127"/>
+                <a:ea typeface="리디바탕" panose="020B0600000101010101" pitchFamily="34" charset="-127"/>
+              </a:rPr>
+              <a:t>data</a:t>
+            </a:r>
+            <a:r>
+              <a:rPr lang="en-US" altLang="ko-KR" sz="3200" dirty="0" smtClean="0">
+                <a:latin typeface="리디바탕" panose="020B0600000101010101" pitchFamily="34" charset="-127"/>
+                <a:ea typeface="리디바탕" panose="020B0600000101010101" pitchFamily="34" charset="-127"/>
+              </a:rPr>
+              <a:t> </a:t>
+            </a:r>
+            <a:r>
+              <a:rPr lang="en-US" altLang="ko-KR" sz="3200" dirty="0" smtClean="0">
+                <a:latin typeface="리디바탕" panose="020B0600000101010101" pitchFamily="34" charset="-127"/>
+                <a:ea typeface="리디바탕" panose="020B0600000101010101" pitchFamily="34" charset="-127"/>
+              </a:rPr>
+              <a:t>)</a:t>
+            </a:r>
+            <a:endParaRPr lang="ko-KR" altLang="en-US" sz="3200" dirty="0">
+              <a:latin typeface="리디바탕" panose="020B0600000101010101" pitchFamily="34" charset="-127"/>
+              <a:ea typeface="리디바탕" panose="020B0600000101010101" pitchFamily="34" charset="-127"/>
+            </a:endParaRPr>
+          </a:p>
+        </p:txBody>
+      </p:sp>
+      <p:sp>
+        <p:nvSpPr>
+          <p:cNvPr id="34" name="TextBox 33"/>
+          <p:cNvSpPr txBox="1"/>
+          <p:nvPr/>
+        </p:nvSpPr>
+        <p:spPr>
+          <a:xfrm>
+            <a:off x="7811717" y="3637466"/>
+            <a:ext cx="2324675" cy="584775"/>
+          </a:xfrm>
+          <a:prstGeom prst="rect">
+            <a:avLst/>
+          </a:prstGeom>
+          <a:noFill/>
+        </p:spPr>
+        <p:txBody>
+          <a:bodyPr wrap="none" rtlCol="0">
+            <a:spAutoFit/>
+          </a:bodyPr>
+          <a:lstStyle/>
+          <a:p>
+            <a:r>
+              <a:rPr lang="ko-KR" altLang="en-US" sz="3200" dirty="0" smtClean="0">
+                <a:solidFill>
+                  <a:srgbClr val="FF00FF"/>
+                </a:solidFill>
+                <a:latin typeface="리디바탕" panose="020B0600000101010101" pitchFamily="34" charset="-127"/>
+                <a:ea typeface="리디바탕" panose="020B0600000101010101" pitchFamily="34" charset="-127"/>
+              </a:rPr>
+              <a:t>규칙</a:t>
+            </a:r>
+            <a:r>
+              <a:rPr lang="en-US" altLang="ko-KR" sz="3200" dirty="0" smtClean="0">
+                <a:latin typeface="리디바탕" panose="020B0600000101010101" pitchFamily="34" charset="-127"/>
+                <a:ea typeface="리디바탕" panose="020B0600000101010101" pitchFamily="34" charset="-127"/>
+              </a:rPr>
+              <a:t> ( </a:t>
+            </a:r>
             <a:r>
               <a:rPr lang="ko-KR" altLang="en-US" sz="3200" dirty="0" smtClean="0">
                 <a:solidFill>
@@ -7462,86 +7680,93 @@
               <a:t>재료</a:t>
             </a:r>
             <a:r>
-              <a:rPr lang="ko-KR" altLang="en-US" sz="3200" dirty="0" smtClean="0">
-                <a:solidFill>
-                  <a:schemeClr val="bg1">
-                    <a:lumMod val="50000"/>
-                  </a:schemeClr>
-                </a:solidFill>
-                <a:latin typeface="리디바탕" panose="020B0600000101010101" pitchFamily="34" charset="-127"/>
-                <a:ea typeface="리디바탕" panose="020B0600000101010101" pitchFamily="34" charset="-127"/>
-              </a:rPr>
-              <a:t> 에 </a:t>
-            </a:r>
-            <a:r>
-              <a:rPr lang="ko-KR" altLang="en-US" sz="3200" dirty="0">
-                <a:solidFill>
-                  <a:srgbClr val="FF00FF"/>
-                </a:solidFill>
-                <a:latin typeface="리디바탕" panose="020B0600000101010101" pitchFamily="34" charset="-127"/>
-                <a:ea typeface="리디바탕" panose="020B0600000101010101" pitchFamily="34" charset="-127"/>
-              </a:rPr>
-              <a:t>규칙</a:t>
-            </a:r>
-            <a:r>
-              <a:rPr lang="ko-KR" altLang="en-US" sz="3200" dirty="0" smtClean="0">
-                <a:solidFill>
-                  <a:schemeClr val="bg1">
-                    <a:lumMod val="50000"/>
-                  </a:schemeClr>
-                </a:solidFill>
-                <a:latin typeface="리디바탕" panose="020B0600000101010101" pitchFamily="34" charset="-127"/>
-                <a:ea typeface="리디바탕" panose="020B0600000101010101" pitchFamily="34" charset="-127"/>
-              </a:rPr>
-              <a:t> 을 적용해서 바뀐 </a:t>
-            </a:r>
-            <a:r>
-              <a:rPr lang="ko-KR" altLang="en-US" sz="3200" dirty="0" smtClean="0">
-                <a:latin typeface="리디바탕" panose="020B0600000101010101" pitchFamily="34" charset="-127"/>
-                <a:ea typeface="리디바탕" panose="020B0600000101010101" pitchFamily="34" charset="-127"/>
-              </a:rPr>
-              <a:t>결과값</a:t>
-            </a:r>
-            <a:r>
-              <a:rPr lang="ko-KR" altLang="en-US" sz="3200" dirty="0" smtClean="0">
-                <a:solidFill>
-                  <a:schemeClr val="bg1">
-                    <a:lumMod val="50000"/>
-                  </a:schemeClr>
-                </a:solidFill>
-                <a:latin typeface="리디바탕" panose="020B0600000101010101" pitchFamily="34" charset="-127"/>
-                <a:ea typeface="리디바탕" panose="020B0600000101010101" pitchFamily="34" charset="-127"/>
-              </a:rPr>
-              <a:t>을 받는다</a:t>
-            </a:r>
-            <a:r>
               <a:rPr lang="en-US" altLang="ko-KR" sz="3200" dirty="0" smtClean="0">
-                <a:solidFill>
-                  <a:schemeClr val="bg1">
-                    <a:lumMod val="50000"/>
-                  </a:schemeClr>
-                </a:solidFill>
-                <a:latin typeface="리디바탕" panose="020B0600000101010101" pitchFamily="34" charset="-127"/>
-                <a:ea typeface="리디바탕" panose="020B0600000101010101" pitchFamily="34" charset="-127"/>
-              </a:rPr>
-              <a:t>.</a:t>
+                <a:latin typeface="리디바탕" panose="020B0600000101010101" pitchFamily="34" charset="-127"/>
+                <a:ea typeface="리디바탕" panose="020B0600000101010101" pitchFamily="34" charset="-127"/>
+              </a:rPr>
+              <a:t> )</a:t>
             </a:r>
             <a:endParaRPr lang="ko-KR" altLang="en-US" sz="3200" dirty="0">
-              <a:solidFill>
-                <a:schemeClr val="bg1">
-                  <a:lumMod val="50000"/>
-                </a:schemeClr>
-              </a:solidFill>
               <a:latin typeface="리디바탕" panose="020B0600000101010101" pitchFamily="34" charset="-127"/>
               <a:ea typeface="리디바탕" panose="020B0600000101010101" pitchFamily="34" charset="-127"/>
             </a:endParaRPr>
           </a:p>
         </p:txBody>
       </p:sp>
+      <p:sp>
+        <p:nvSpPr>
+          <p:cNvPr id="35" name="직사각형 34"/>
+          <p:cNvSpPr/>
+          <p:nvPr/>
+        </p:nvSpPr>
+        <p:spPr>
+          <a:xfrm>
+            <a:off x="2794000" y="1272948"/>
+            <a:ext cx="1200150" cy="400110"/>
+          </a:xfrm>
+          <a:prstGeom prst="rect">
+            <a:avLst/>
+          </a:prstGeom>
+        </p:spPr>
+        <p:txBody>
+          <a:bodyPr wrap="square">
+            <a:spAutoFit/>
+          </a:bodyPr>
+          <a:lstStyle/>
+          <a:p>
+            <a:r>
+              <a:rPr lang="en-US" altLang="ko-KR" sz="2000" dirty="0" smtClean="0">
+                <a:latin typeface="리디바탕" panose="020B0600000101010101" pitchFamily="34" charset="-127"/>
+                <a:ea typeface="리디바탕" panose="020B0600000101010101" pitchFamily="34" charset="-127"/>
+              </a:rPr>
+              <a:t>Excel</a:t>
+            </a:r>
+            <a:endParaRPr lang="ko-KR" altLang="en-US" sz="1600" dirty="0">
+              <a:latin typeface="리디바탕" panose="020B0600000101010101" pitchFamily="34" charset="-127"/>
+              <a:ea typeface="리디바탕" panose="020B0600000101010101" pitchFamily="34" charset="-127"/>
+            </a:endParaRPr>
+          </a:p>
+        </p:txBody>
+      </p:sp>
+      <p:sp>
+        <p:nvSpPr>
+          <p:cNvPr id="36" name="직사각형 35"/>
+          <p:cNvSpPr/>
+          <p:nvPr/>
+        </p:nvSpPr>
+        <p:spPr>
+          <a:xfrm>
+            <a:off x="8609621" y="1272948"/>
+            <a:ext cx="1200150" cy="400110"/>
+          </a:xfrm>
+          <a:prstGeom prst="rect">
+            <a:avLst/>
+          </a:prstGeom>
+        </p:spPr>
+        <p:txBody>
+          <a:bodyPr wrap="square">
+            <a:spAutoFit/>
+          </a:bodyPr>
+          <a:lstStyle/>
+          <a:p>
+            <a:r>
+              <a:rPr lang="en-US" altLang="ko-KR" sz="2000" dirty="0" smtClean="0">
+                <a:latin typeface="리디바탕" panose="020B0600000101010101" pitchFamily="34" charset="-127"/>
+                <a:ea typeface="리디바탕" panose="020B0600000101010101" pitchFamily="34" charset="-127"/>
+              </a:rPr>
+              <a:t>Python</a:t>
+            </a:r>
+            <a:endParaRPr lang="ko-KR" altLang="en-US" sz="1600" dirty="0">
+              <a:latin typeface="리디바탕" panose="020B0600000101010101" pitchFamily="34" charset="-127"/>
+              <a:ea typeface="리디바탕" panose="020B0600000101010101" pitchFamily="34" charset="-127"/>
+            </a:endParaRPr>
+          </a:p>
+        </p:txBody>
+      </p:sp>
     </p:spTree>
     <p:extLst>
       <p:ext uri="{BB962C8B-B14F-4D97-AF65-F5344CB8AC3E}">
-        <p14:creationId xmlns:p14="http://schemas.microsoft.com/office/powerpoint/2010/main" val="3236274581"/>
+        <p14:creationId xmlns:p14="http://schemas.microsoft.com/office/powerpoint/2010/main" val="1804889916"/>
       </p:ext>
     </p:extLst>
   </p:cSld>
@@ -7575,6 +7800,269 @@
           <a:chExt cx="0" cy="0"/>
         </a:xfrm>
       </p:grpSpPr>
+      <p:sp>
+        <p:nvSpPr>
+          <p:cNvPr id="2" name="직사각형 1"/>
+          <p:cNvSpPr/>
+          <p:nvPr/>
+        </p:nvSpPr>
+        <p:spPr>
+          <a:xfrm>
+            <a:off x="704850" y="319293"/>
+            <a:ext cx="10782300" cy="646331"/>
+          </a:xfrm>
+          <a:prstGeom prst="rect">
+            <a:avLst/>
+          </a:prstGeom>
+        </p:spPr>
+        <p:txBody>
+          <a:bodyPr wrap="square">
+            <a:spAutoFit/>
+          </a:bodyPr>
+          <a:lstStyle/>
+          <a:p>
+            <a:r>
+              <a:rPr lang="en-US" altLang="ko-KR" sz="3600" dirty="0">
+                <a:latin typeface="리디바탕" panose="020B0600000101010101" pitchFamily="34" charset="-127"/>
+                <a:ea typeface="리디바탕" panose="020B0600000101010101" pitchFamily="34" charset="-127"/>
+              </a:rPr>
+              <a:t>2. </a:t>
+            </a:r>
+            <a:r>
+              <a:rPr lang="ko-KR" altLang="en-US" sz="3600" dirty="0">
+                <a:latin typeface="리디바탕" panose="020B0600000101010101" pitchFamily="34" charset="-127"/>
+                <a:ea typeface="리디바탕" panose="020B0600000101010101" pitchFamily="34" charset="-127"/>
+              </a:rPr>
+              <a:t>범위 연산 </a:t>
+            </a:r>
+            <a:r>
+              <a:rPr lang="en-US" altLang="ko-KR" sz="2800" dirty="0">
+                <a:latin typeface="리디바탕" panose="020B0600000101010101" pitchFamily="34" charset="-127"/>
+                <a:ea typeface="리디바탕" panose="020B0600000101010101" pitchFamily="34" charset="-127"/>
+              </a:rPr>
+              <a:t>(SUM, AVERAGE, MAX, MIN, COUNT)</a:t>
+            </a:r>
+            <a:endParaRPr lang="ko-KR" altLang="en-US" sz="2800" dirty="0">
+              <a:latin typeface="리디바탕" panose="020B0600000101010101" pitchFamily="34" charset="-127"/>
+              <a:ea typeface="리디바탕" panose="020B0600000101010101" pitchFamily="34" charset="-127"/>
+            </a:endParaRPr>
+          </a:p>
+        </p:txBody>
+      </p:sp>
+      <p:sp>
+        <p:nvSpPr>
+          <p:cNvPr id="34" name="TextBox 33"/>
+          <p:cNvSpPr txBox="1"/>
+          <p:nvPr/>
+        </p:nvSpPr>
+        <p:spPr>
+          <a:xfrm>
+            <a:off x="4871145" y="1427666"/>
+            <a:ext cx="2270173" cy="584775"/>
+          </a:xfrm>
+          <a:prstGeom prst="rect">
+            <a:avLst/>
+          </a:prstGeom>
+          <a:noFill/>
+        </p:spPr>
+        <p:txBody>
+          <a:bodyPr wrap="none" rtlCol="0">
+            <a:spAutoFit/>
+          </a:bodyPr>
+          <a:lstStyle/>
+          <a:p>
+            <a:r>
+              <a:rPr lang="ko-KR" altLang="en-US" sz="3200" dirty="0" smtClean="0">
+                <a:solidFill>
+                  <a:srgbClr val="FF00FF"/>
+                </a:solidFill>
+                <a:latin typeface="리디바탕" panose="020B0600000101010101" pitchFamily="34" charset="-127"/>
+                <a:ea typeface="리디바탕" panose="020B0600000101010101" pitchFamily="34" charset="-127"/>
+              </a:rPr>
+              <a:t>규칙 </a:t>
+            </a:r>
+            <a:r>
+              <a:rPr lang="en-US" altLang="ko-KR" sz="3200" dirty="0" smtClean="0">
+                <a:solidFill>
+                  <a:schemeClr val="bg1">
+                    <a:lumMod val="50000"/>
+                  </a:schemeClr>
+                </a:solidFill>
+                <a:latin typeface="리디바탕" panose="020B0600000101010101" pitchFamily="34" charset="-127"/>
+                <a:ea typeface="리디바탕" panose="020B0600000101010101" pitchFamily="34" charset="-127"/>
+              </a:rPr>
+              <a:t>&amp;</a:t>
+            </a:r>
+            <a:r>
+              <a:rPr lang="en-US" altLang="ko-KR" sz="3200" dirty="0" smtClean="0">
+                <a:latin typeface="리디바탕" panose="020B0600000101010101" pitchFamily="34" charset="-127"/>
+                <a:ea typeface="리디바탕" panose="020B0600000101010101" pitchFamily="34" charset="-127"/>
+              </a:rPr>
+              <a:t> </a:t>
+            </a:r>
+            <a:r>
+              <a:rPr lang="ko-KR" altLang="en-US" sz="3200" dirty="0" smtClean="0">
+                <a:solidFill>
+                  <a:srgbClr val="FF0000"/>
+                </a:solidFill>
+                <a:latin typeface="리디바탕" panose="020B0600000101010101" pitchFamily="34" charset="-127"/>
+                <a:ea typeface="리디바탕" panose="020B0600000101010101" pitchFamily="34" charset="-127"/>
+              </a:rPr>
+              <a:t>재료</a:t>
+            </a:r>
+            <a:endParaRPr lang="ko-KR" altLang="en-US" sz="3200" dirty="0">
+              <a:latin typeface="리디바탕" panose="020B0600000101010101" pitchFamily="34" charset="-127"/>
+              <a:ea typeface="리디바탕" panose="020B0600000101010101" pitchFamily="34" charset="-127"/>
+            </a:endParaRPr>
+          </a:p>
+        </p:txBody>
+      </p:sp>
+      <p:sp>
+        <p:nvSpPr>
+          <p:cNvPr id="10" name="TextBox 9"/>
+          <p:cNvSpPr txBox="1"/>
+          <p:nvPr/>
+        </p:nvSpPr>
+        <p:spPr>
+          <a:xfrm>
+            <a:off x="1746945" y="2913566"/>
+            <a:ext cx="8454559" cy="584775"/>
+          </a:xfrm>
+          <a:prstGeom prst="rect">
+            <a:avLst/>
+          </a:prstGeom>
+          <a:noFill/>
+        </p:spPr>
+        <p:txBody>
+          <a:bodyPr wrap="none" rtlCol="0">
+            <a:spAutoFit/>
+          </a:bodyPr>
+          <a:lstStyle/>
+          <a:p>
+            <a:r>
+              <a:rPr lang="ko-KR" altLang="en-US" sz="3200" dirty="0" smtClean="0">
+                <a:solidFill>
+                  <a:srgbClr val="FF0000"/>
+                </a:solidFill>
+                <a:latin typeface="리디바탕" panose="020B0600000101010101" pitchFamily="34" charset="-127"/>
+                <a:ea typeface="리디바탕" panose="020B0600000101010101" pitchFamily="34" charset="-127"/>
+              </a:rPr>
+              <a:t>재료</a:t>
+            </a:r>
+            <a:r>
+              <a:rPr lang="ko-KR" altLang="en-US" sz="3200" dirty="0" smtClean="0">
+                <a:solidFill>
+                  <a:schemeClr val="bg1">
+                    <a:lumMod val="50000"/>
+                  </a:schemeClr>
+                </a:solidFill>
+                <a:latin typeface="리디바탕" panose="020B0600000101010101" pitchFamily="34" charset="-127"/>
+                <a:ea typeface="리디바탕" panose="020B0600000101010101" pitchFamily="34" charset="-127"/>
+              </a:rPr>
+              <a:t> 에 </a:t>
+            </a:r>
+            <a:r>
+              <a:rPr lang="ko-KR" altLang="en-US" sz="3200" dirty="0">
+                <a:solidFill>
+                  <a:srgbClr val="FF00FF"/>
+                </a:solidFill>
+                <a:latin typeface="리디바탕" panose="020B0600000101010101" pitchFamily="34" charset="-127"/>
+                <a:ea typeface="리디바탕" panose="020B0600000101010101" pitchFamily="34" charset="-127"/>
+              </a:rPr>
+              <a:t>규칙</a:t>
+            </a:r>
+            <a:r>
+              <a:rPr lang="ko-KR" altLang="en-US" sz="3200" dirty="0" smtClean="0">
+                <a:solidFill>
+                  <a:schemeClr val="bg1">
+                    <a:lumMod val="50000"/>
+                  </a:schemeClr>
+                </a:solidFill>
+                <a:latin typeface="리디바탕" panose="020B0600000101010101" pitchFamily="34" charset="-127"/>
+                <a:ea typeface="리디바탕" panose="020B0600000101010101" pitchFamily="34" charset="-127"/>
+              </a:rPr>
+              <a:t> 을 적용해서 바뀐 </a:t>
+            </a:r>
+            <a:r>
+              <a:rPr lang="ko-KR" altLang="en-US" sz="3200" dirty="0" smtClean="0">
+                <a:latin typeface="리디바탕" panose="020B0600000101010101" pitchFamily="34" charset="-127"/>
+                <a:ea typeface="리디바탕" panose="020B0600000101010101" pitchFamily="34" charset="-127"/>
+              </a:rPr>
+              <a:t>결과값</a:t>
+            </a:r>
+            <a:r>
+              <a:rPr lang="ko-KR" altLang="en-US" sz="3200" dirty="0" smtClean="0">
+                <a:solidFill>
+                  <a:schemeClr val="bg1">
+                    <a:lumMod val="50000"/>
+                  </a:schemeClr>
+                </a:solidFill>
+                <a:latin typeface="리디바탕" panose="020B0600000101010101" pitchFamily="34" charset="-127"/>
+                <a:ea typeface="리디바탕" panose="020B0600000101010101" pitchFamily="34" charset="-127"/>
+              </a:rPr>
+              <a:t>을 받는다</a:t>
+            </a:r>
+            <a:r>
+              <a:rPr lang="en-US" altLang="ko-KR" sz="3200" dirty="0" smtClean="0">
+                <a:solidFill>
+                  <a:schemeClr val="bg1">
+                    <a:lumMod val="50000"/>
+                  </a:schemeClr>
+                </a:solidFill>
+                <a:latin typeface="리디바탕" panose="020B0600000101010101" pitchFamily="34" charset="-127"/>
+                <a:ea typeface="리디바탕" panose="020B0600000101010101" pitchFamily="34" charset="-127"/>
+              </a:rPr>
+              <a:t>.</a:t>
+            </a:r>
+            <a:endParaRPr lang="ko-KR" altLang="en-US" sz="3200" dirty="0">
+              <a:solidFill>
+                <a:schemeClr val="bg1">
+                  <a:lumMod val="50000"/>
+                </a:schemeClr>
+              </a:solidFill>
+              <a:latin typeface="리디바탕" panose="020B0600000101010101" pitchFamily="34" charset="-127"/>
+              <a:ea typeface="리디바탕" panose="020B0600000101010101" pitchFamily="34" charset="-127"/>
+            </a:endParaRPr>
+          </a:p>
+        </p:txBody>
+      </p:sp>
+    </p:spTree>
+    <p:extLst>
+      <p:ext uri="{BB962C8B-B14F-4D97-AF65-F5344CB8AC3E}">
+        <p14:creationId xmlns:p14="http://schemas.microsoft.com/office/powerpoint/2010/main" val="3236274581"/>
+      </p:ext>
+    </p:extLst>
+  </p:cSld>
+  <p:clrMapOvr>
+    <a:masterClrMapping/>
+  </p:clrMapOvr>
+  <p:timing>
+    <p:tnLst>
+      <p:par>
+        <p:cTn id="1" dur="indefinite" restart="never" nodeType="tmRoot"/>
+      </p:par>
+    </p:tnLst>
+  </p:timing>
+</p:sld>
+</file>
+
+<file path=ppt/slides/slide17.xml><?xml version="1.0" encoding="utf-8"?>
+<p:sld xmlns:a="http://schemas.openxmlformats.org/drawingml/2006/main" xmlns:r="http://schemas.openxmlformats.org/officeDocument/2006/relationships" xmlns:p="http://schemas.openxmlformats.org/presentationml/2006/main">
+  <p:cSld>
+    <p:spTree>
+      <p:nvGrpSpPr>
+        <p:cNvPr id="1" name=""/>
+        <p:cNvGrpSpPr/>
+        <p:nvPr/>
+      </p:nvGrpSpPr>
+      <p:grpSpPr>
+        <a:xfrm>
+          <a:off x="0" y="0"/>
+          <a:ext cx="0" cy="0"/>
+          <a:chOff x="0" y="0"/>
+          <a:chExt cx="0" cy="0"/>
+        </a:xfrm>
+      </p:grpSpPr>
       <p:pic>
         <p:nvPicPr>
           <p:cNvPr id="4" name="그림 3">
@@ -7798,11 +8286,18 @@
           </a:p>
           <a:p>
             <a:r>
+              <a:rPr lang="ko-KR" altLang="en-US" sz="2400" dirty="0" smtClean="0">
+                <a:latin typeface="리디바탕" panose="020B0600000101010101" pitchFamily="34" charset="-127"/>
+                <a:ea typeface="리디바탕" panose="020B0600000101010101" pitchFamily="34" charset="-127"/>
+              </a:rPr>
+              <a:t>설명의 </a:t>
+            </a:r>
+            <a:r>
               <a:rPr lang="ko-KR" altLang="en-US" sz="2400" dirty="0">
                 <a:latin typeface="리디바탕" panose="020B0600000101010101" pitchFamily="34" charset="-127"/>
                 <a:ea typeface="리디바탕" panose="020B0600000101010101" pitchFamily="34" charset="-127"/>
               </a:rPr>
-              <a:t>강의의 군더더기를 없애기 위해</a:t>
+              <a:t>군더더기를 없애기 위해</a:t>
             </a:r>
             <a:r>
               <a:rPr lang="en-US" altLang="ko-KR" sz="2400" dirty="0">
@@ -7879,7 +8374,7 @@
         <p:spPr>
           <a:xfrm>
             <a:off x="893135" y="2402958"/>
-            <a:ext cx="10483702" cy="0"/>
+            <a:ext cx="5190165" cy="0"/>
           </a:xfrm>
           <a:prstGeom prst="line">
             <a:avLst/>
@@ -7920,7 +8415,7 @@
 </p:sld>
 </file>
 
-<file path=ppt/slides/slide17.xml><?xml version="1.0" encoding="utf-8"?>
+<file path=ppt/slides/slide18.xml><?xml version="1.0" encoding="utf-8"?>
 <p:sld xmlns:a="http://schemas.openxmlformats.org/drawingml/2006/main" xmlns:r="http://schemas.openxmlformats.org/officeDocument/2006/relationships" xmlns:p="http://schemas.openxmlformats.org/presentationml/2006/main">
   <p:cSld>
     <p:spTree>
@@ -8175,7 +8670,7 @@
 </p:sld>
 </file>
 
-<file path=ppt/slides/slide18.xml><?xml version="1.0" encoding="utf-8"?>
+<file path=ppt/slides/slide19.xml><?xml version="1.0" encoding="utf-8"?>
 <p:sld xmlns:a="http://schemas.openxmlformats.org/drawingml/2006/main" xmlns:r="http://schemas.openxmlformats.org/officeDocument/2006/relationships" xmlns:p="http://schemas.openxmlformats.org/presentationml/2006/main">
   <p:cSld>
     <p:spTree>
@@ -8478,7 +8973,7 @@
             <a:prstDash val="sysDash"/>
             <a:extLst>
               <a:ext uri="{C807C97D-BFC1-408E-A445-0C87EB9F89A2}">
-                <ask:lineSketchStyleProps xmlns="" xmlns:ask="http://schemas.microsoft.com/office/drawing/2018/sketchyshapes" sd="1219033472">
+                <ask:lineSketchStyleProps xmlns:ask="http://schemas.microsoft.com/office/drawing/2018/sketchyshapes" xmlns="" sd="1219033472">
                   <a:custGeom>
                     <a:avLst/>
                     <a:gdLst>
@@ -8602,7 +9097,7 @@
             <a:prstDash val="sysDash"/>
             <a:extLst>
               <a:ext uri="{C807C97D-BFC1-408E-A445-0C87EB9F89A2}">
-                <ask:lineSketchStyleProps xmlns="" xmlns:ask="http://schemas.microsoft.com/office/drawing/2018/sketchyshapes" sd="1219033472">
+                <ask:lineSketchStyleProps xmlns:ask="http://schemas.microsoft.com/office/drawing/2018/sketchyshapes" xmlns="" sd="1219033472">
                   <a:custGeom>
                     <a:avLst/>
                     <a:gdLst>
@@ -8726,7 +9221,7 @@
             <a:prstDash val="sysDash"/>
             <a:extLst>
               <a:ext uri="{C807C97D-BFC1-408E-A445-0C87EB9F89A2}">
-                <ask:lineSketchStyleProps xmlns="" xmlns:ask="http://schemas.microsoft.com/office/drawing/2018/sketchyshapes" sd="1219033472">
+                <ask:lineSketchStyleProps xmlns:ask="http://schemas.microsoft.com/office/drawing/2018/sketchyshapes" xmlns="" sd="1219033472">
                   <a:custGeom>
                     <a:avLst/>
                     <a:gdLst>
@@ -8852,7 +9347,7 @@
             <a:prstDash val="sysDash"/>
             <a:extLst>
               <a:ext uri="{C807C97D-BFC1-408E-A445-0C87EB9F89A2}">
-                <ask:lineSketchStyleProps xmlns="" xmlns:ask="http://schemas.microsoft.com/office/drawing/2018/sketchyshapes" sd="1219033472">
+                <ask:lineSketchStyleProps xmlns:ask="http://schemas.microsoft.com/office/drawing/2018/sketchyshapes" xmlns="" sd="1219033472">
                   <a:custGeom>
                     <a:avLst/>
                     <a:gdLst>
@@ -9504,7 +9999,7 @@
             <a:prstDash val="sysDash"/>
             <a:extLst>
               <a:ext uri="{C807C97D-BFC1-408E-A445-0C87EB9F89A2}">
-                <ask:lineSketchStyleProps xmlns="" xmlns:ask="http://schemas.microsoft.com/office/drawing/2018/sketchyshapes" sd="1219033472">
+                <ask:lineSketchStyleProps xmlns:ask="http://schemas.microsoft.com/office/drawing/2018/sketchyshapes" xmlns="" sd="1219033472">
                   <a:custGeom>
                     <a:avLst/>
                     <a:gdLst>
@@ -9670,7 +10165,7 @@
             <a:prstDash val="sysDash"/>
             <a:extLst>
               <a:ext uri="{C807C97D-BFC1-408E-A445-0C87EB9F89A2}">
-                <ask:lineSketchStyleProps xmlns="" xmlns:ask="http://schemas.microsoft.com/office/drawing/2018/sketchyshapes" sd="1219033472">
+                <ask:lineSketchStyleProps xmlns:ask="http://schemas.microsoft.com/office/drawing/2018/sketchyshapes" xmlns="" sd="1219033472">
                   <a:custGeom>
                     <a:avLst/>
                     <a:gdLst>
@@ -9836,7 +10331,7 @@
             <a:prstDash val="sysDash"/>
             <a:extLst>
               <a:ext uri="{C807C97D-BFC1-408E-A445-0C87EB9F89A2}">
-                <ask:lineSketchStyleProps xmlns="" xmlns:ask="http://schemas.microsoft.com/office/drawing/2018/sketchyshapes" sd="1219033472">
+                <ask:lineSketchStyleProps xmlns:ask="http://schemas.microsoft.com/office/drawing/2018/sketchyshapes" xmlns="" sd="1219033472">
                   <a:custGeom>
                     <a:avLst/>
                     <a:gdLst>
@@ -10123,7 +10618,82 @@
 </p:sld>
 </file>
 
-<file path=ppt/slides/slide19.xml><?xml version="1.0" encoding="utf-8"?>
+<file path=ppt/slides/slide2.xml><?xml version="1.0" encoding="utf-8"?>
+<p:sld xmlns:a="http://schemas.openxmlformats.org/drawingml/2006/main" xmlns:r="http://schemas.openxmlformats.org/officeDocument/2006/relationships" xmlns:p="http://schemas.openxmlformats.org/presentationml/2006/main">
+  <p:cSld>
+    <p:spTree>
+      <p:nvGrpSpPr>
+        <p:cNvPr id="1" name=""/>
+        <p:cNvGrpSpPr/>
+        <p:nvPr/>
+      </p:nvGrpSpPr>
+      <p:grpSpPr>
+        <a:xfrm>
+          <a:off x="0" y="0"/>
+          <a:ext cx="0" cy="0"/>
+          <a:chOff x="0" y="0"/>
+          <a:chExt cx="0" cy="0"/>
+        </a:xfrm>
+      </p:grpSpPr>
+      <p:sp>
+        <p:nvSpPr>
+          <p:cNvPr id="2" name="직사각형 1">
+            <a:extLst>
+              <a:ext uri="{FF2B5EF4-FFF2-40B4-BE49-F238E27FC236}">
+                <a16:creationId xmlns:a16="http://schemas.microsoft.com/office/drawing/2014/main" id="{47051EAA-D405-B186-2AEA-383AB454CB6A}"/>
+              </a:ext>
+            </a:extLst>
+          </p:cNvPr>
+          <p:cNvSpPr/>
+          <p:nvPr/>
+        </p:nvSpPr>
+        <p:spPr>
+          <a:xfrm>
+            <a:off x="342902" y="3105834"/>
+            <a:ext cx="11506198" cy="523220"/>
+          </a:xfrm>
+          <a:prstGeom prst="rect">
+            <a:avLst/>
+          </a:prstGeom>
+        </p:spPr>
+        <p:txBody>
+          <a:bodyPr wrap="square">
+            <a:spAutoFit/>
+          </a:bodyPr>
+          <a:lstStyle/>
+          <a:p>
+            <a:pPr algn="ctr"/>
+            <a:r>
+              <a:rPr lang="ko-KR" altLang="en-US" sz="2800" dirty="0">
+                <a:latin typeface="리디바탕" panose="020B0600000101010101" pitchFamily="34" charset="-127"/>
+                <a:ea typeface="리디바탕" panose="020B0600000101010101" pitchFamily="34" charset="-127"/>
+              </a:rPr>
+              <a:t>들어가기 앞서</a:t>
+            </a:r>
+          </a:p>
+        </p:txBody>
+      </p:sp>
+    </p:spTree>
+    <p:extLst>
+      <p:ext uri="{BB962C8B-B14F-4D97-AF65-F5344CB8AC3E}">
+        <p14:creationId xmlns:p14="http://schemas.microsoft.com/office/powerpoint/2010/main" val="589431107"/>
+      </p:ext>
+    </p:extLst>
+  </p:cSld>
+  <p:clrMapOvr>
+    <a:masterClrMapping/>
+  </p:clrMapOvr>
+  <p:timing>
+    <p:tnLst>
+      <p:par>
+        <p:cTn id="1" dur="indefinite" restart="never" nodeType="tmRoot"/>
+      </p:par>
+    </p:tnLst>
+  </p:timing>
+</p:sld>
+</file>
+
+<file path=ppt/slides/slide20.xml><?xml version="1.0" encoding="utf-8"?>
 <p:sld xmlns:a="http://schemas.openxmlformats.org/drawingml/2006/main" xmlns:r="http://schemas.openxmlformats.org/officeDocument/2006/relationships" xmlns:p="http://schemas.openxmlformats.org/presentationml/2006/main">
   <p:cSld>
     <p:spTree>
@@ -10452,7 +11022,7 @@
             <a:prstDash val="sysDash"/>
             <a:extLst>
               <a:ext uri="{C807C97D-BFC1-408E-A445-0C87EB9F89A2}">
-                <ask:lineSketchStyleProps xmlns="" xmlns:ask="http://schemas.microsoft.com/office/drawing/2018/sketchyshapes" sd="1219033472">
+                <ask:lineSketchStyleProps xmlns:ask="http://schemas.microsoft.com/office/drawing/2018/sketchyshapes" xmlns="" sd="1219033472">
                   <a:custGeom>
                     <a:avLst/>
                     <a:gdLst>
@@ -10618,7 +11188,7 @@
             <a:prstDash val="sysDash"/>
             <a:extLst>
               <a:ext uri="{C807C97D-BFC1-408E-A445-0C87EB9F89A2}">
-                <ask:lineSketchStyleProps xmlns="" xmlns:ask="http://schemas.microsoft.com/office/drawing/2018/sketchyshapes" sd="1219033472">
+                <ask:lineSketchStyleProps xmlns:ask="http://schemas.microsoft.com/office/drawing/2018/sketchyshapes" xmlns="" sd="1219033472">
                   <a:custGeom>
                     <a:avLst/>
                     <a:gdLst>
@@ -10784,7 +11354,7 @@
             <a:prstDash val="sysDash"/>
             <a:extLst>
               <a:ext uri="{C807C97D-BFC1-408E-A445-0C87EB9F89A2}">
-                <ask:lineSketchStyleProps xmlns="" xmlns:ask="http://schemas.microsoft.com/office/drawing/2018/sketchyshapes" sd="1219033472">
+                <ask:lineSketchStyleProps xmlns:ask="http://schemas.microsoft.com/office/drawing/2018/sketchyshapes" xmlns="" sd="1219033472">
                   <a:custGeom>
                     <a:avLst/>
                     <a:gdLst>
@@ -11180,7 +11750,7 @@
             <a:prstDash val="sysDash"/>
             <a:extLst>
               <a:ext uri="{C807C97D-BFC1-408E-A445-0C87EB9F89A2}">
-                <ask:lineSketchStyleProps xmlns="" xmlns:ask="http://schemas.microsoft.com/office/drawing/2018/sketchyshapes" sd="1219033472">
+                <ask:lineSketchStyleProps xmlns:ask="http://schemas.microsoft.com/office/drawing/2018/sketchyshapes" xmlns="" sd="1219033472">
                   <a:custGeom>
                     <a:avLst/>
                     <a:gdLst>
@@ -11304,7 +11874,7 @@
             <a:prstDash val="sysDash"/>
             <a:extLst>
               <a:ext uri="{C807C97D-BFC1-408E-A445-0C87EB9F89A2}">
-                <ask:lineSketchStyleProps xmlns="" xmlns:ask="http://schemas.microsoft.com/office/drawing/2018/sketchyshapes" sd="1219033472">
+                <ask:lineSketchStyleProps xmlns:ask="http://schemas.microsoft.com/office/drawing/2018/sketchyshapes" xmlns="" sd="1219033472">
                   <a:custGeom>
                     <a:avLst/>
                     <a:gdLst>
@@ -11428,7 +11998,7 @@
             <a:prstDash val="sysDash"/>
             <a:extLst>
               <a:ext uri="{C807C97D-BFC1-408E-A445-0C87EB9F89A2}">
-                <ask:lineSketchStyleProps xmlns="" xmlns:ask="http://schemas.microsoft.com/office/drawing/2018/sketchyshapes" sd="1219033472">
+                <ask:lineSketchStyleProps xmlns:ask="http://schemas.microsoft.com/office/drawing/2018/sketchyshapes" xmlns="" sd="1219033472">
                   <a:custGeom>
                     <a:avLst/>
                     <a:gdLst>
@@ -11552,7 +12122,7 @@
             <a:prstDash val="sysDash"/>
             <a:extLst>
               <a:ext uri="{C807C97D-BFC1-408E-A445-0C87EB9F89A2}">
-                <ask:lineSketchStyleProps xmlns="" xmlns:ask="http://schemas.microsoft.com/office/drawing/2018/sketchyshapes" sd="1219033472">
+                <ask:lineSketchStyleProps xmlns:ask="http://schemas.microsoft.com/office/drawing/2018/sketchyshapes" xmlns="" sd="1219033472">
                   <a:custGeom>
                     <a:avLst/>
                     <a:gdLst>
@@ -11676,7 +12246,7 @@
             <a:prstDash val="sysDash"/>
             <a:extLst>
               <a:ext uri="{C807C97D-BFC1-408E-A445-0C87EB9F89A2}">
-                <ask:lineSketchStyleProps xmlns="" xmlns:ask="http://schemas.microsoft.com/office/drawing/2018/sketchyshapes" sd="1219033472">
+                <ask:lineSketchStyleProps xmlns:ask="http://schemas.microsoft.com/office/drawing/2018/sketchyshapes" xmlns="" sd="1219033472">
                   <a:custGeom>
                     <a:avLst/>
                     <a:gdLst>
@@ -11800,7 +12370,7 @@
             <a:prstDash val="sysDash"/>
             <a:extLst>
               <a:ext uri="{C807C97D-BFC1-408E-A445-0C87EB9F89A2}">
-                <ask:lineSketchStyleProps xmlns="" xmlns:ask="http://schemas.microsoft.com/office/drawing/2018/sketchyshapes" sd="1219033472">
+                <ask:lineSketchStyleProps xmlns:ask="http://schemas.microsoft.com/office/drawing/2018/sketchyshapes" xmlns="" sd="1219033472">
                   <a:custGeom>
                     <a:avLst/>
                     <a:gdLst>
@@ -11924,7 +12494,7 @@
             <a:prstDash val="sysDash"/>
             <a:extLst>
               <a:ext uri="{C807C97D-BFC1-408E-A445-0C87EB9F89A2}">
-                <ask:lineSketchStyleProps xmlns="" xmlns:ask="http://schemas.microsoft.com/office/drawing/2018/sketchyshapes" sd="1219033472">
+                <ask:lineSketchStyleProps xmlns:ask="http://schemas.microsoft.com/office/drawing/2018/sketchyshapes" xmlns="" sd="1219033472">
                   <a:custGeom>
                     <a:avLst/>
                     <a:gdLst>
@@ -12048,7 +12618,7 @@
             <a:prstDash val="sysDash"/>
             <a:extLst>
               <a:ext uri="{C807C97D-BFC1-408E-A445-0C87EB9F89A2}">
-                <ask:lineSketchStyleProps xmlns="" xmlns:ask="http://schemas.microsoft.com/office/drawing/2018/sketchyshapes" sd="1219033472">
+                <ask:lineSketchStyleProps xmlns:ask="http://schemas.microsoft.com/office/drawing/2018/sketchyshapes" xmlns="" sd="1219033472">
                   <a:custGeom>
                     <a:avLst/>
                     <a:gdLst>
@@ -12172,7 +12742,7 @@
             <a:prstDash val="sysDash"/>
             <a:extLst>
               <a:ext uri="{C807C97D-BFC1-408E-A445-0C87EB9F89A2}">
-                <ask:lineSketchStyleProps xmlns="" xmlns:ask="http://schemas.microsoft.com/office/drawing/2018/sketchyshapes" sd="1219033472">
+                <ask:lineSketchStyleProps xmlns:ask="http://schemas.microsoft.com/office/drawing/2018/sketchyshapes" xmlns="" sd="1219033472">
                   <a:custGeom>
                     <a:avLst/>
                     <a:gdLst>
@@ -12288,218 +12858,6 @@
 </p:sld>
 </file>
 
-<file path=ppt/slides/slide2.xml><?xml version="1.0" encoding="utf-8"?>
-<p:sld xmlns:a="http://schemas.openxmlformats.org/drawingml/2006/main" xmlns:r="http://schemas.openxmlformats.org/officeDocument/2006/relationships" xmlns:p="http://schemas.openxmlformats.org/presentationml/2006/main">
-  <p:cSld>
-    <p:spTree>
-      <p:nvGrpSpPr>
-        <p:cNvPr id="1" name=""/>
-        <p:cNvGrpSpPr/>
-        <p:nvPr/>
-      </p:nvGrpSpPr>
-      <p:grpSpPr>
-        <a:xfrm>
-          <a:off x="0" y="0"/>
-          <a:ext cx="0" cy="0"/>
-          <a:chOff x="0" y="0"/>
-          <a:chExt cx="0" cy="0"/>
-        </a:xfrm>
-      </p:grpSpPr>
-      <p:sp>
-        <p:nvSpPr>
-          <p:cNvPr id="2" name="직사각형 1">
-            <a:extLst>
-              <a:ext uri="{FF2B5EF4-FFF2-40B4-BE49-F238E27FC236}">
-                <a16:creationId xmlns:a16="http://schemas.microsoft.com/office/drawing/2014/main" id="{47051EAA-D405-B186-2AEA-383AB454CB6A}"/>
-              </a:ext>
-            </a:extLst>
-          </p:cNvPr>
-          <p:cNvSpPr/>
-          <p:nvPr/>
-        </p:nvSpPr>
-        <p:spPr>
-          <a:xfrm>
-            <a:off x="342902" y="3105834"/>
-            <a:ext cx="11506198" cy="523220"/>
-          </a:xfrm>
-          <a:prstGeom prst="rect">
-            <a:avLst/>
-          </a:prstGeom>
-        </p:spPr>
-        <p:txBody>
-          <a:bodyPr wrap="square">
-            <a:spAutoFit/>
-          </a:bodyPr>
-          <a:lstStyle/>
-          <a:p>
-            <a:pPr algn="ctr"/>
-            <a:r>
-              <a:rPr lang="ko-KR" altLang="en-US" sz="2800" dirty="0">
-                <a:latin typeface="리디바탕" panose="020B0600000101010101" pitchFamily="34" charset="-127"/>
-                <a:ea typeface="리디바탕" panose="020B0600000101010101" pitchFamily="34" charset="-127"/>
-              </a:rPr>
-              <a:t>들어가기 앞서</a:t>
-            </a:r>
-          </a:p>
-        </p:txBody>
-      </p:sp>
-    </p:spTree>
-    <p:extLst>
-      <p:ext uri="{BB962C8B-B14F-4D97-AF65-F5344CB8AC3E}">
-        <p14:creationId xmlns:p14="http://schemas.microsoft.com/office/powerpoint/2010/main" val="589431107"/>
-      </p:ext>
-    </p:extLst>
-  </p:cSld>
-  <p:clrMapOvr>
-    <a:masterClrMapping/>
-  </p:clrMapOvr>
-  <p:timing>
-    <p:tnLst>
-      <p:par>
-        <p:cTn id="1" dur="indefinite" restart="never" nodeType="tmRoot"/>
-      </p:par>
-    </p:tnLst>
-  </p:timing>
-</p:sld>
-</file>
-
-<file path=ppt/slides/slide20.xml><?xml version="1.0" encoding="utf-8"?>
-<p:sld xmlns:a="http://schemas.openxmlformats.org/drawingml/2006/main" xmlns:r="http://schemas.openxmlformats.org/officeDocument/2006/relationships" xmlns:p="http://schemas.openxmlformats.org/presentationml/2006/main">
-  <p:cSld>
-    <p:spTree>
-      <p:nvGrpSpPr>
-        <p:cNvPr id="1" name=""/>
-        <p:cNvGrpSpPr/>
-        <p:nvPr/>
-      </p:nvGrpSpPr>
-      <p:grpSpPr>
-        <a:xfrm>
-          <a:off x="0" y="0"/>
-          <a:ext cx="0" cy="0"/>
-          <a:chOff x="0" y="0"/>
-          <a:chExt cx="0" cy="0"/>
-        </a:xfrm>
-      </p:grpSpPr>
-      <p:sp>
-        <p:nvSpPr>
-          <p:cNvPr id="3" name="TextBox 2">
-            <a:extLst>
-              <a:ext uri="{FF2B5EF4-FFF2-40B4-BE49-F238E27FC236}">
-                <a16:creationId xmlns:a16="http://schemas.microsoft.com/office/drawing/2014/main" id="{1F253E29-CB1A-A443-72F1-EC48D6BCFD19}"/>
-              </a:ext>
-            </a:extLst>
-          </p:cNvPr>
-          <p:cNvSpPr txBox="1"/>
-          <p:nvPr/>
-        </p:nvSpPr>
-        <p:spPr>
-          <a:xfrm>
-            <a:off x="3048000" y="2992085"/>
-            <a:ext cx="6096000" cy="873829"/>
-          </a:xfrm>
-          <a:prstGeom prst="rect">
-            <a:avLst/>
-          </a:prstGeom>
-          <a:noFill/>
-        </p:spPr>
-        <p:txBody>
-          <a:bodyPr wrap="square">
-            <a:spAutoFit/>
-          </a:bodyPr>
-          <a:lstStyle/>
-          <a:p>
-            <a:pPr>
-              <a:lnSpc>
-                <a:spcPct val="150000"/>
-              </a:lnSpc>
-            </a:pPr>
-            <a:r>
-              <a:rPr lang="en-US" altLang="ko-KR" sz="1800" dirty="0">
-                <a:latin typeface="리디바탕" panose="020B0600000101010101" pitchFamily="34" charset="-127"/>
-                <a:ea typeface="리디바탕" panose="020B0600000101010101" pitchFamily="34" charset="-127"/>
-              </a:rPr>
-              <a:t>HLOOKUP </a:t>
-            </a:r>
-            <a:r>
-              <a:rPr lang="ko-KR" altLang="en-US" sz="1800" dirty="0">
-                <a:latin typeface="리디바탕" panose="020B0600000101010101" pitchFamily="34" charset="-127"/>
-                <a:ea typeface="리디바탕" panose="020B0600000101010101" pitchFamily="34" charset="-127"/>
-              </a:rPr>
-              <a:t>은 </a:t>
-            </a:r>
-            <a:r>
-              <a:rPr lang="en-US" altLang="ko-KR" sz="1800" dirty="0">
-                <a:latin typeface="리디바탕" panose="020B0600000101010101" pitchFamily="34" charset="-127"/>
-                <a:ea typeface="리디바탕" panose="020B0600000101010101" pitchFamily="34" charset="-127"/>
-              </a:rPr>
-              <a:t>VLOOKUP</a:t>
-            </a:r>
-            <a:r>
-              <a:rPr lang="ko-KR" altLang="en-US" sz="1800" dirty="0">
-                <a:latin typeface="리디바탕" panose="020B0600000101010101" pitchFamily="34" charset="-127"/>
-                <a:ea typeface="리디바탕" panose="020B0600000101010101" pitchFamily="34" charset="-127"/>
-              </a:rPr>
-              <a:t>이랑 똑같은데</a:t>
-            </a:r>
-            <a:r>
-              <a:rPr lang="en-US" altLang="ko-KR" sz="1800" dirty="0">
-                <a:latin typeface="리디바탕" panose="020B0600000101010101" pitchFamily="34" charset="-127"/>
-                <a:ea typeface="리디바탕" panose="020B0600000101010101" pitchFamily="34" charset="-127"/>
-              </a:rPr>
-              <a:t>, </a:t>
-            </a:r>
-            <a:r>
-              <a:rPr lang="ko-KR" altLang="en-US" sz="1800" dirty="0">
-                <a:latin typeface="리디바탕" panose="020B0600000101010101" pitchFamily="34" charset="-127"/>
-                <a:ea typeface="리디바탕" panose="020B0600000101010101" pitchFamily="34" charset="-127"/>
-              </a:rPr>
-              <a:t>데이터가 수평으로 배치 되었을 때 사용합니다</a:t>
-            </a:r>
-            <a:r>
-              <a:rPr lang="en-US" altLang="ko-KR" sz="1800" dirty="0">
-                <a:latin typeface="리디바탕" panose="020B0600000101010101" pitchFamily="34" charset="-127"/>
-                <a:ea typeface="리디바탕" panose="020B0600000101010101" pitchFamily="34" charset="-127"/>
-              </a:rPr>
-              <a:t>. </a:t>
-            </a:r>
-            <a:r>
-              <a:rPr lang="ko-KR" altLang="en-US" sz="1800" dirty="0">
-                <a:latin typeface="리디바탕" panose="020B0600000101010101" pitchFamily="34" charset="-127"/>
-                <a:ea typeface="리디바탕" panose="020B0600000101010101" pitchFamily="34" charset="-127"/>
-              </a:rPr>
-              <a:t>설명은 </a:t>
-            </a:r>
-            <a:r>
-              <a:rPr lang="en-US" altLang="ko-KR" sz="1800" dirty="0">
-                <a:latin typeface="리디바탕" panose="020B0600000101010101" pitchFamily="34" charset="-127"/>
-                <a:ea typeface="리디바탕" panose="020B0600000101010101" pitchFamily="34" charset="-127"/>
-              </a:rPr>
-              <a:t>PASS.</a:t>
-            </a:r>
-            <a:endParaRPr lang="ko-KR" altLang="en-US" dirty="0"/>
-          </a:p>
-        </p:txBody>
-      </p:sp>
-    </p:spTree>
-    <p:extLst>
-      <p:ext uri="{BB962C8B-B14F-4D97-AF65-F5344CB8AC3E}">
-        <p14:creationId xmlns:p14="http://schemas.microsoft.com/office/powerpoint/2010/main" val="1632727502"/>
-      </p:ext>
-    </p:extLst>
-  </p:cSld>
-  <p:clrMapOvr>
-    <a:masterClrMapping/>
-  </p:clrMapOvr>
-  <p:timing>
-    <p:tnLst>
-      <p:par>
-        <p:cTn id="1" dur="indefinite" restart="never" nodeType="tmRoot"/>
-      </p:par>
-    </p:tnLst>
-  </p:timing>
-</p:sld>
-</file>
-
 <file path=ppt/slides/slide21.xml><?xml version="1.0" encoding="utf-8"?>
 <p:sld xmlns:a="http://schemas.openxmlformats.org/drawingml/2006/main" xmlns:r="http://schemas.openxmlformats.org/officeDocument/2006/relationships" xmlns:p="http://schemas.openxmlformats.org/presentationml/2006/main">
   <p:cSld>
@@ -12519,176 +12877,10 @@
       </p:grpSpPr>
       <p:sp>
         <p:nvSpPr>
-          <p:cNvPr id="2" name="직사각형 1"/>
-          <p:cNvSpPr/>
-          <p:nvPr/>
-        </p:nvSpPr>
-        <p:spPr>
-          <a:xfrm>
-            <a:off x="704850" y="319293"/>
-            <a:ext cx="10782300" cy="646331"/>
-          </a:xfrm>
-          <a:prstGeom prst="rect">
-            <a:avLst/>
-          </a:prstGeom>
-        </p:spPr>
-        <p:txBody>
-          <a:bodyPr wrap="square">
-            <a:spAutoFit/>
-          </a:bodyPr>
-          <a:lstStyle/>
-          <a:p>
-            <a:r>
-              <a:rPr lang="en-US" altLang="ko-KR" sz="3600" dirty="0">
-                <a:latin typeface="리디바탕" panose="020B0600000101010101" pitchFamily="34" charset="-127"/>
-                <a:ea typeface="리디바탕" panose="020B0600000101010101" pitchFamily="34" charset="-127"/>
-              </a:rPr>
-              <a:t>4. </a:t>
-            </a:r>
-            <a:r>
-              <a:rPr lang="ko-KR" altLang="en-US" sz="3600" dirty="0">
-                <a:latin typeface="리디바탕" panose="020B0600000101010101" pitchFamily="34" charset="-127"/>
-                <a:ea typeface="리디바탕" panose="020B0600000101010101" pitchFamily="34" charset="-127"/>
-              </a:rPr>
-              <a:t>조건부 연산 </a:t>
-            </a:r>
-            <a:r>
-              <a:rPr lang="en-US" altLang="ko-KR" sz="2400" dirty="0">
-                <a:latin typeface="리디바탕" panose="020B0600000101010101" pitchFamily="34" charset="-127"/>
-                <a:ea typeface="리디바탕" panose="020B0600000101010101" pitchFamily="34" charset="-127"/>
-              </a:rPr>
-              <a:t>(IF, COUNTIF, SUMIF, AVERAGEIF, AVERAGEIFS)</a:t>
-            </a:r>
-            <a:endParaRPr lang="ko-KR" altLang="en-US" sz="2800" dirty="0">
-              <a:latin typeface="리디바탕" panose="020B0600000101010101" pitchFamily="34" charset="-127"/>
-              <a:ea typeface="리디바탕" panose="020B0600000101010101" pitchFamily="34" charset="-127"/>
-            </a:endParaRPr>
-          </a:p>
-        </p:txBody>
-      </p:sp>
-      <p:cxnSp>
-        <p:nvCxnSpPr>
-          <p:cNvPr id="3" name="직선 연결선 2">
+          <p:cNvPr id="3" name="TextBox 2">
             <a:extLst>
               <a:ext uri="{FF2B5EF4-FFF2-40B4-BE49-F238E27FC236}">
-                <a16:creationId xmlns:a16="http://schemas.microsoft.com/office/drawing/2014/main" id="{DDCDA400-77D0-7E28-EAA9-44BFF4DDA37F}"/>
-              </a:ext>
-            </a:extLst>
-          </p:cNvPr>
-          <p:cNvCxnSpPr/>
-          <p:nvPr/>
-        </p:nvCxnSpPr>
-        <p:spPr>
-          <a:xfrm flipH="1">
-            <a:off x="6083300" y="965624"/>
-            <a:ext cx="12700" cy="5409776"/>
-          </a:xfrm>
-          <a:prstGeom prst="line">
-            <a:avLst/>
-          </a:prstGeom>
-          <a:ln>
-            <a:gradFill>
-              <a:gsLst>
-                <a:gs pos="54000">
-                  <a:schemeClr val="tx1"/>
-                </a:gs>
-                <a:gs pos="6000">
-                  <a:schemeClr val="bg1"/>
-                </a:gs>
-                <a:gs pos="89000">
-                  <a:schemeClr val="bg1">
-                    <a:lumMod val="50000"/>
-                  </a:schemeClr>
-                </a:gs>
-                <a:gs pos="92000">
-                  <a:schemeClr val="bg1"/>
-                </a:gs>
-              </a:gsLst>
-              <a:lin ang="5400000" scaled="1"/>
-            </a:gradFill>
-          </a:ln>
-        </p:spPr>
-        <p:style>
-          <a:lnRef idx="1">
-            <a:schemeClr val="accent1"/>
-          </a:lnRef>
-          <a:fillRef idx="0">
-            <a:schemeClr val="accent1"/>
-          </a:fillRef>
-          <a:effectRef idx="0">
-            <a:schemeClr val="accent1"/>
-          </a:effectRef>
-          <a:fontRef idx="minor">
-            <a:schemeClr val="tx1"/>
-          </a:fontRef>
-        </p:style>
-      </p:cxnSp>
-      <p:pic>
-        <p:nvPicPr>
-          <p:cNvPr id="5" name="그림 4">
-            <a:extLst>
-              <a:ext uri="{FF2B5EF4-FFF2-40B4-BE49-F238E27FC236}">
-                <a16:creationId xmlns:a16="http://schemas.microsoft.com/office/drawing/2014/main" id="{65CD50F0-F772-A409-F597-68082A7A6679}"/>
-              </a:ext>
-            </a:extLst>
-          </p:cNvPr>
-          <p:cNvPicPr>
-            <a:picLocks noChangeAspect="1"/>
-          </p:cNvPicPr>
-          <p:nvPr/>
-        </p:nvPicPr>
-        <p:blipFill>
-          <a:blip r:embed="rId2"/>
-          <a:stretch>
-            <a:fillRect/>
-          </a:stretch>
-        </p:blipFill>
-        <p:spPr>
-          <a:xfrm>
-            <a:off x="931617" y="1594062"/>
-            <a:ext cx="4255652" cy="4152900"/>
-          </a:xfrm>
-          <a:prstGeom prst="rect">
-            <a:avLst/>
-          </a:prstGeom>
-        </p:spPr>
-      </p:pic>
-      <p:pic>
-        <p:nvPicPr>
-          <p:cNvPr id="7" name="그림 6">
-            <a:extLst>
-              <a:ext uri="{FF2B5EF4-FFF2-40B4-BE49-F238E27FC236}">
-                <a16:creationId xmlns:a16="http://schemas.microsoft.com/office/drawing/2014/main" id="{0C4FF8EE-00C9-0224-E3AC-B1BA3C1E1C34}"/>
-              </a:ext>
-            </a:extLst>
-          </p:cNvPr>
-          <p:cNvPicPr>
-            <a:picLocks noChangeAspect="1"/>
-          </p:cNvPicPr>
-          <p:nvPr/>
-        </p:nvPicPr>
-        <p:blipFill>
-          <a:blip r:embed="rId3"/>
-          <a:stretch>
-            <a:fillRect/>
-          </a:stretch>
-        </p:blipFill>
-        <p:spPr>
-          <a:xfrm>
-            <a:off x="6819868" y="965624"/>
-            <a:ext cx="3817780" cy="5536224"/>
-          </a:xfrm>
-          <a:prstGeom prst="rect">
-            <a:avLst/>
-          </a:prstGeom>
-        </p:spPr>
-      </p:pic>
-      <p:sp>
-        <p:nvSpPr>
-          <p:cNvPr id="9" name="TextBox 8">
-            <a:extLst>
-              <a:ext uri="{FF2B5EF4-FFF2-40B4-BE49-F238E27FC236}">
-                <a16:creationId xmlns:a16="http://schemas.microsoft.com/office/drawing/2014/main" id="{256AE17A-A470-C363-F169-D7D0D1941AE1}"/>
+                <a16:creationId xmlns:a16="http://schemas.microsoft.com/office/drawing/2014/main" id="{1F253E29-CB1A-A443-72F1-EC48D6BCFD19}"/>
               </a:ext>
             </a:extLst>
           </p:cNvPr>
@@ -12697,8 +12889,8 @@
         </p:nvSpPr>
         <p:spPr>
           <a:xfrm>
-            <a:off x="908733" y="1018977"/>
-            <a:ext cx="6096000" cy="369332"/>
+            <a:off x="3048000" y="2992085"/>
+            <a:ext cx="6096000" cy="873829"/>
           </a:xfrm>
           <a:prstGeom prst="rect">
             <a:avLst/>
@@ -12711,12 +12903,73 @@
           </a:bodyPr>
           <a:lstStyle/>
           <a:p>
+            <a:pPr>
+              <a:lnSpc>
+                <a:spcPct val="150000"/>
+              </a:lnSpc>
+            </a:pPr>
             <a:r>
               <a:rPr lang="en-US" altLang="ko-KR" sz="1800" dirty="0">
                 <a:latin typeface="리디바탕" panose="020B0600000101010101" pitchFamily="34" charset="-127"/>
                 <a:ea typeface="리디바탕" panose="020B0600000101010101" pitchFamily="34" charset="-127"/>
               </a:rPr>
-              <a:t>IF</a:t>
+              <a:t>HLOOKUP </a:t>
+            </a:r>
+            <a:r>
+              <a:rPr lang="ko-KR" altLang="en-US" sz="1800" dirty="0">
+                <a:latin typeface="리디바탕" panose="020B0600000101010101" pitchFamily="34" charset="-127"/>
+                <a:ea typeface="리디바탕" panose="020B0600000101010101" pitchFamily="34" charset="-127"/>
+              </a:rPr>
+              <a:t>은 </a:t>
+            </a:r>
+            <a:r>
+              <a:rPr lang="en-US" altLang="ko-KR" sz="1800" dirty="0">
+                <a:latin typeface="리디바탕" panose="020B0600000101010101" pitchFamily="34" charset="-127"/>
+                <a:ea typeface="리디바탕" panose="020B0600000101010101" pitchFamily="34" charset="-127"/>
+              </a:rPr>
+              <a:t>VLOOKUP</a:t>
+            </a:r>
+            <a:r>
+              <a:rPr lang="ko-KR" altLang="en-US" sz="1800" dirty="0">
+                <a:latin typeface="리디바탕" panose="020B0600000101010101" pitchFamily="34" charset="-127"/>
+                <a:ea typeface="리디바탕" panose="020B0600000101010101" pitchFamily="34" charset="-127"/>
+              </a:rPr>
+              <a:t>이랑 똑같은데</a:t>
+            </a:r>
+            <a:r>
+              <a:rPr lang="en-US" altLang="ko-KR" sz="1800" dirty="0">
+                <a:latin typeface="리디바탕" panose="020B0600000101010101" pitchFamily="34" charset="-127"/>
+                <a:ea typeface="리디바탕" panose="020B0600000101010101" pitchFamily="34" charset="-127"/>
+              </a:rPr>
+              <a:t>, </a:t>
+            </a:r>
+            <a:r>
+              <a:rPr lang="ko-KR" altLang="en-US" sz="1800" dirty="0">
+                <a:latin typeface="리디바탕" panose="020B0600000101010101" pitchFamily="34" charset="-127"/>
+                <a:ea typeface="리디바탕" panose="020B0600000101010101" pitchFamily="34" charset="-127"/>
+              </a:rPr>
+              <a:t>데이터가 수평으로 배치 되었을 때 사용합니다</a:t>
+            </a:r>
+            <a:r>
+              <a:rPr lang="en-US" altLang="ko-KR" sz="1800" dirty="0">
+                <a:latin typeface="리디바탕" panose="020B0600000101010101" pitchFamily="34" charset="-127"/>
+                <a:ea typeface="리디바탕" panose="020B0600000101010101" pitchFamily="34" charset="-127"/>
+              </a:rPr>
+              <a:t>. </a:t>
+            </a:r>
+            <a:r>
+              <a:rPr lang="ko-KR" altLang="en-US" sz="1800" dirty="0">
+                <a:latin typeface="리디바탕" panose="020B0600000101010101" pitchFamily="34" charset="-127"/>
+                <a:ea typeface="리디바탕" panose="020B0600000101010101" pitchFamily="34" charset="-127"/>
+              </a:rPr>
+              <a:t>설명은 </a:t>
+            </a:r>
+            <a:r>
+              <a:rPr lang="en-US" altLang="ko-KR" sz="1800" dirty="0">
+                <a:latin typeface="리디바탕" panose="020B0600000101010101" pitchFamily="34" charset="-127"/>
+                <a:ea typeface="리디바탕" panose="020B0600000101010101" pitchFamily="34" charset="-127"/>
+              </a:rPr>
+              <a:t>PASS.</a:t>
             </a:r>
             <a:endParaRPr lang="ko-KR" altLang="en-US" dirty="0"/>
           </a:p>
@@ -12725,7 +12978,7 @@
     </p:spTree>
     <p:extLst>
       <p:ext uri="{BB962C8B-B14F-4D97-AF65-F5344CB8AC3E}">
-        <p14:creationId xmlns:p14="http://schemas.microsoft.com/office/powerpoint/2010/main" val="1630244923"/>
+        <p14:creationId xmlns:p14="http://schemas.microsoft.com/office/powerpoint/2010/main" val="1632727502"/>
       </p:ext>
     </p:extLst>
   </p:cSld>
@@ -12865,6 +13118,66 @@
           </a:fontRef>
         </p:style>
       </p:cxnSp>
+      <p:pic>
+        <p:nvPicPr>
+          <p:cNvPr id="5" name="그림 4">
+            <a:extLst>
+              <a:ext uri="{FF2B5EF4-FFF2-40B4-BE49-F238E27FC236}">
+                <a16:creationId xmlns:a16="http://schemas.microsoft.com/office/drawing/2014/main" id="{65CD50F0-F772-A409-F597-68082A7A6679}"/>
+              </a:ext>
+            </a:extLst>
+          </p:cNvPr>
+          <p:cNvPicPr>
+            <a:picLocks noChangeAspect="1"/>
+          </p:cNvPicPr>
+          <p:nvPr/>
+        </p:nvPicPr>
+        <p:blipFill>
+          <a:blip r:embed="rId2"/>
+          <a:stretch>
+            <a:fillRect/>
+          </a:stretch>
+        </p:blipFill>
+        <p:spPr>
+          <a:xfrm>
+            <a:off x="931617" y="1594062"/>
+            <a:ext cx="4255652" cy="4152900"/>
+          </a:xfrm>
+          <a:prstGeom prst="rect">
+            <a:avLst/>
+          </a:prstGeom>
+        </p:spPr>
+      </p:pic>
+      <p:pic>
+        <p:nvPicPr>
+          <p:cNvPr id="7" name="그림 6">
+            <a:extLst>
+              <a:ext uri="{FF2B5EF4-FFF2-40B4-BE49-F238E27FC236}">
+                <a16:creationId xmlns:a16="http://schemas.microsoft.com/office/drawing/2014/main" id="{0C4FF8EE-00C9-0224-E3AC-B1BA3C1E1C34}"/>
+              </a:ext>
+            </a:extLst>
+          </p:cNvPr>
+          <p:cNvPicPr>
+            <a:picLocks noChangeAspect="1"/>
+          </p:cNvPicPr>
+          <p:nvPr/>
+        </p:nvPicPr>
+        <p:blipFill>
+          <a:blip r:embed="rId3"/>
+          <a:stretch>
+            <a:fillRect/>
+          </a:stretch>
+        </p:blipFill>
+        <p:spPr>
+          <a:xfrm>
+            <a:off x="6819868" y="965624"/>
+            <a:ext cx="3817780" cy="5536224"/>
+          </a:xfrm>
+          <a:prstGeom prst="rect">
+            <a:avLst/>
+          </a:prstGeom>
+        </p:spPr>
+      </p:pic>
       <p:sp>
         <p:nvSpPr>
           <p:cNvPr id="9" name="TextBox 8">
@@ -12904,6 +13217,188 @@
           </a:p>
         </p:txBody>
       </p:sp>
+    </p:spTree>
+    <p:extLst>
+      <p:ext uri="{BB962C8B-B14F-4D97-AF65-F5344CB8AC3E}">
+        <p14:creationId xmlns:p14="http://schemas.microsoft.com/office/powerpoint/2010/main" val="1630244923"/>
+      </p:ext>
+    </p:extLst>
+  </p:cSld>
+  <p:clrMapOvr>
+    <a:masterClrMapping/>
+  </p:clrMapOvr>
+  <p:timing>
+    <p:tnLst>
+      <p:par>
+        <p:cTn id="1" dur="indefinite" restart="never" nodeType="tmRoot"/>
+      </p:par>
+    </p:tnLst>
+  </p:timing>
+</p:sld>
+</file>
+
+<file path=ppt/slides/slide23.xml><?xml version="1.0" encoding="utf-8"?>
+<p:sld xmlns:a="http://schemas.openxmlformats.org/drawingml/2006/main" xmlns:r="http://schemas.openxmlformats.org/officeDocument/2006/relationships" xmlns:p="http://schemas.openxmlformats.org/presentationml/2006/main">
+  <p:cSld>
+    <p:spTree>
+      <p:nvGrpSpPr>
+        <p:cNvPr id="1" name=""/>
+        <p:cNvGrpSpPr/>
+        <p:nvPr/>
+      </p:nvGrpSpPr>
+      <p:grpSpPr>
+        <a:xfrm>
+          <a:off x="0" y="0"/>
+          <a:ext cx="0" cy="0"/>
+          <a:chOff x="0" y="0"/>
+          <a:chExt cx="0" cy="0"/>
+        </a:xfrm>
+      </p:grpSpPr>
+      <p:sp>
+        <p:nvSpPr>
+          <p:cNvPr id="2" name="직사각형 1"/>
+          <p:cNvSpPr/>
+          <p:nvPr/>
+        </p:nvSpPr>
+        <p:spPr>
+          <a:xfrm>
+            <a:off x="704850" y="319293"/>
+            <a:ext cx="10782300" cy="646331"/>
+          </a:xfrm>
+          <a:prstGeom prst="rect">
+            <a:avLst/>
+          </a:prstGeom>
+        </p:spPr>
+        <p:txBody>
+          <a:bodyPr wrap="square">
+            <a:spAutoFit/>
+          </a:bodyPr>
+          <a:lstStyle/>
+          <a:p>
+            <a:r>
+              <a:rPr lang="en-US" altLang="ko-KR" sz="3600" dirty="0">
+                <a:latin typeface="리디바탕" panose="020B0600000101010101" pitchFamily="34" charset="-127"/>
+                <a:ea typeface="리디바탕" panose="020B0600000101010101" pitchFamily="34" charset="-127"/>
+              </a:rPr>
+              <a:t>4. </a:t>
+            </a:r>
+            <a:r>
+              <a:rPr lang="ko-KR" altLang="en-US" sz="3600" dirty="0">
+                <a:latin typeface="리디바탕" panose="020B0600000101010101" pitchFamily="34" charset="-127"/>
+                <a:ea typeface="리디바탕" panose="020B0600000101010101" pitchFamily="34" charset="-127"/>
+              </a:rPr>
+              <a:t>조건부 연산 </a:t>
+            </a:r>
+            <a:r>
+              <a:rPr lang="en-US" altLang="ko-KR" sz="2400" dirty="0">
+                <a:latin typeface="리디바탕" panose="020B0600000101010101" pitchFamily="34" charset="-127"/>
+                <a:ea typeface="리디바탕" panose="020B0600000101010101" pitchFamily="34" charset="-127"/>
+              </a:rPr>
+              <a:t>(IF, COUNTIF, SUMIF, AVERAGEIF, AVERAGEIFS)</a:t>
+            </a:r>
+            <a:endParaRPr lang="ko-KR" altLang="en-US" sz="2800" dirty="0">
+              <a:latin typeface="리디바탕" panose="020B0600000101010101" pitchFamily="34" charset="-127"/>
+              <a:ea typeface="리디바탕" panose="020B0600000101010101" pitchFamily="34" charset="-127"/>
+            </a:endParaRPr>
+          </a:p>
+        </p:txBody>
+      </p:sp>
+      <p:cxnSp>
+        <p:nvCxnSpPr>
+          <p:cNvPr id="3" name="직선 연결선 2">
+            <a:extLst>
+              <a:ext uri="{FF2B5EF4-FFF2-40B4-BE49-F238E27FC236}">
+                <a16:creationId xmlns:a16="http://schemas.microsoft.com/office/drawing/2014/main" id="{DDCDA400-77D0-7E28-EAA9-44BFF4DDA37F}"/>
+              </a:ext>
+            </a:extLst>
+          </p:cNvPr>
+          <p:cNvCxnSpPr/>
+          <p:nvPr/>
+        </p:nvCxnSpPr>
+        <p:spPr>
+          <a:xfrm flipH="1">
+            <a:off x="6083300" y="965624"/>
+            <a:ext cx="12700" cy="5409776"/>
+          </a:xfrm>
+          <a:prstGeom prst="line">
+            <a:avLst/>
+          </a:prstGeom>
+          <a:ln>
+            <a:gradFill>
+              <a:gsLst>
+                <a:gs pos="54000">
+                  <a:schemeClr val="tx1"/>
+                </a:gs>
+                <a:gs pos="6000">
+                  <a:schemeClr val="bg1"/>
+                </a:gs>
+                <a:gs pos="89000">
+                  <a:schemeClr val="bg1">
+                    <a:lumMod val="50000"/>
+                  </a:schemeClr>
+                </a:gs>
+                <a:gs pos="92000">
+                  <a:schemeClr val="bg1"/>
+                </a:gs>
+              </a:gsLst>
+              <a:lin ang="5400000" scaled="1"/>
+            </a:gradFill>
+          </a:ln>
+        </p:spPr>
+        <p:style>
+          <a:lnRef idx="1">
+            <a:schemeClr val="accent1"/>
+          </a:lnRef>
+          <a:fillRef idx="0">
+            <a:schemeClr val="accent1"/>
+          </a:fillRef>
+          <a:effectRef idx="0">
+            <a:schemeClr val="accent1"/>
+          </a:effectRef>
+          <a:fontRef idx="minor">
+            <a:schemeClr val="tx1"/>
+          </a:fontRef>
+        </p:style>
+      </p:cxnSp>
+      <p:sp>
+        <p:nvSpPr>
+          <p:cNvPr id="9" name="TextBox 8">
+            <a:extLst>
+              <a:ext uri="{FF2B5EF4-FFF2-40B4-BE49-F238E27FC236}">
+                <a16:creationId xmlns:a16="http://schemas.microsoft.com/office/drawing/2014/main" id="{256AE17A-A470-C363-F169-D7D0D1941AE1}"/>
+              </a:ext>
+            </a:extLst>
+          </p:cNvPr>
+          <p:cNvSpPr txBox="1"/>
+          <p:nvPr/>
+        </p:nvSpPr>
+        <p:spPr>
+          <a:xfrm>
+            <a:off x="908733" y="1018977"/>
+            <a:ext cx="6096000" cy="369332"/>
+          </a:xfrm>
+          <a:prstGeom prst="rect">
+            <a:avLst/>
+          </a:prstGeom>
+          <a:noFill/>
+        </p:spPr>
+        <p:txBody>
+          <a:bodyPr wrap="square">
+            <a:spAutoFit/>
+          </a:bodyPr>
+          <a:lstStyle/>
+          <a:p>
+            <a:r>
+              <a:rPr lang="en-US" altLang="ko-KR" sz="1800" dirty="0">
+                <a:latin typeface="리디바탕" panose="020B0600000101010101" pitchFamily="34" charset="-127"/>
+                <a:ea typeface="리디바탕" panose="020B0600000101010101" pitchFamily="34" charset="-127"/>
+              </a:rPr>
+              <a:t>IF</a:t>
+            </a:r>
+            <a:endParaRPr lang="ko-KR" altLang="en-US" dirty="0"/>
+          </a:p>
+        </p:txBody>
+      </p:sp>
       <p:sp>
         <p:nvSpPr>
           <p:cNvPr id="4" name="직사각형 3"/>
@@ -13123,7 +13618,7 @@
             <a:prstDash val="sysDash"/>
             <a:extLst>
               <a:ext uri="{C807C97D-BFC1-408E-A445-0C87EB9F89A2}">
-                <ask:lineSketchStyleProps xmlns="" xmlns:ask="http://schemas.microsoft.com/office/drawing/2018/sketchyshapes" sd="1219033472">
+                <ask:lineSketchStyleProps xmlns:ask="http://schemas.microsoft.com/office/drawing/2018/sketchyshapes" xmlns="" sd="1219033472">
                   <a:custGeom>
                     <a:avLst/>
                     <a:gdLst>
@@ -13331,7 +13826,7 @@
             <a:prstDash val="sysDash"/>
             <a:extLst>
               <a:ext uri="{C807C97D-BFC1-408E-A445-0C87EB9F89A2}">
-                <ask:lineSketchStyleProps xmlns="" xmlns:ask="http://schemas.microsoft.com/office/drawing/2018/sketchyshapes" sd="1219033472">
+                <ask:lineSketchStyleProps xmlns:ask="http://schemas.microsoft.com/office/drawing/2018/sketchyshapes" xmlns="" sd="1219033472">
                   <a:custGeom>
                     <a:avLst/>
                     <a:gdLst>
@@ -13497,7 +13992,7 @@
             <a:prstDash val="sysDash"/>
             <a:extLst>
               <a:ext uri="{C807C97D-BFC1-408E-A445-0C87EB9F89A2}">
-                <ask:lineSketchStyleProps xmlns="" xmlns:ask="http://schemas.microsoft.com/office/drawing/2018/sketchyshapes" sd="1219033472">
+                <ask:lineSketchStyleProps xmlns:ask="http://schemas.microsoft.com/office/drawing/2018/sketchyshapes" xmlns="" sd="1219033472">
                   <a:custGeom>
                     <a:avLst/>
                     <a:gdLst>
@@ -14172,7 +14667,7 @@
             <a:prstDash val="sysDash"/>
             <a:extLst>
               <a:ext uri="{C807C97D-BFC1-408E-A445-0C87EB9F89A2}">
-                <ask:lineSketchStyleProps xmlns="" xmlns:ask="http://schemas.microsoft.com/office/drawing/2018/sketchyshapes" sd="1219033472">
+                <ask:lineSketchStyleProps xmlns:ask="http://schemas.microsoft.com/office/drawing/2018/sketchyshapes" xmlns="" sd="1219033472">
                   <a:custGeom>
                     <a:avLst/>
                     <a:gdLst>
@@ -14338,7 +14833,7 @@
             <a:prstDash val="sysDash"/>
             <a:extLst>
               <a:ext uri="{C807C97D-BFC1-408E-A445-0C87EB9F89A2}">
-                <ask:lineSketchStyleProps xmlns="" xmlns:ask="http://schemas.microsoft.com/office/drawing/2018/sketchyshapes" sd="1219033472">
+                <ask:lineSketchStyleProps xmlns:ask="http://schemas.microsoft.com/office/drawing/2018/sketchyshapes" xmlns="" sd="1219033472">
                   <a:custGeom>
                     <a:avLst/>
                     <a:gdLst>
@@ -14504,7 +14999,7 @@
             <a:prstDash val="sysDash"/>
             <a:extLst>
               <a:ext uri="{C807C97D-BFC1-408E-A445-0C87EB9F89A2}">
-                <ask:lineSketchStyleProps xmlns="" xmlns:ask="http://schemas.microsoft.com/office/drawing/2018/sketchyshapes" sd="1219033472">
+                <ask:lineSketchStyleProps xmlns:ask="http://schemas.microsoft.com/office/drawing/2018/sketchyshapes" xmlns="" sd="1219033472">
                   <a:custGeom>
                     <a:avLst/>
                     <a:gdLst>
@@ -14646,254 +15141,6 @@
     <p:extLst>
       <p:ext uri="{BB962C8B-B14F-4D97-AF65-F5344CB8AC3E}">
         <p14:creationId xmlns:p14="http://schemas.microsoft.com/office/powerpoint/2010/main" val="3678884809"/>
-      </p:ext>
-    </p:extLst>
-  </p:cSld>
-  <p:clrMapOvr>
-    <a:masterClrMapping/>
-  </p:clrMapOvr>
-  <p:timing>
-    <p:tnLst>
-      <p:par>
-        <p:cTn id="1" dur="indefinite" restart="never" nodeType="tmRoot"/>
-      </p:par>
-    </p:tnLst>
-  </p:timing>
-</p:sld>
-</file>
-
-<file path=ppt/slides/slide23.xml><?xml version="1.0" encoding="utf-8"?>
-<p:sld xmlns:a="http://schemas.openxmlformats.org/drawingml/2006/main" xmlns:r="http://schemas.openxmlformats.org/officeDocument/2006/relationships" xmlns:p="http://schemas.openxmlformats.org/presentationml/2006/main">
-  <p:cSld>
-    <p:spTree>
-      <p:nvGrpSpPr>
-        <p:cNvPr id="1" name=""/>
-        <p:cNvGrpSpPr/>
-        <p:nvPr/>
-      </p:nvGrpSpPr>
-      <p:grpSpPr>
-        <a:xfrm>
-          <a:off x="0" y="0"/>
-          <a:ext cx="0" cy="0"/>
-          <a:chOff x="0" y="0"/>
-          <a:chExt cx="0" cy="0"/>
-        </a:xfrm>
-      </p:grpSpPr>
-      <p:cxnSp>
-        <p:nvCxnSpPr>
-          <p:cNvPr id="3" name="직선 연결선 2">
-            <a:extLst>
-              <a:ext uri="{FF2B5EF4-FFF2-40B4-BE49-F238E27FC236}">
-                <a16:creationId xmlns:a16="http://schemas.microsoft.com/office/drawing/2014/main" id="{4B5B4945-B2B5-0AB7-EA10-E35EA1FB2D02}"/>
-              </a:ext>
-            </a:extLst>
-          </p:cNvPr>
-          <p:cNvCxnSpPr/>
-          <p:nvPr/>
-        </p:nvCxnSpPr>
-        <p:spPr>
-          <a:xfrm flipH="1">
-            <a:off x="6083300" y="965624"/>
-            <a:ext cx="12700" cy="5409776"/>
-          </a:xfrm>
-          <a:prstGeom prst="line">
-            <a:avLst/>
-          </a:prstGeom>
-          <a:ln>
-            <a:gradFill>
-              <a:gsLst>
-                <a:gs pos="54000">
-                  <a:schemeClr val="tx1"/>
-                </a:gs>
-                <a:gs pos="6000">
-                  <a:schemeClr val="bg1"/>
-                </a:gs>
-                <a:gs pos="89000">
-                  <a:schemeClr val="bg1">
-                    <a:lumMod val="50000"/>
-                  </a:schemeClr>
-                </a:gs>
-                <a:gs pos="92000">
-                  <a:schemeClr val="bg1"/>
-                </a:gs>
-              </a:gsLst>
-              <a:lin ang="5400000" scaled="1"/>
-            </a:gradFill>
-          </a:ln>
-        </p:spPr>
-        <p:style>
-          <a:lnRef idx="1">
-            <a:schemeClr val="accent1"/>
-          </a:lnRef>
-          <a:fillRef idx="0">
-            <a:schemeClr val="accent1"/>
-          </a:fillRef>
-          <a:effectRef idx="0">
-            <a:schemeClr val="accent1"/>
-          </a:effectRef>
-          <a:fontRef idx="minor">
-            <a:schemeClr val="tx1"/>
-          </a:fontRef>
-        </p:style>
-      </p:cxnSp>
-      <p:sp>
-        <p:nvSpPr>
-          <p:cNvPr id="4" name="TextBox 3">
-            <a:extLst>
-              <a:ext uri="{FF2B5EF4-FFF2-40B4-BE49-F238E27FC236}">
-                <a16:creationId xmlns:a16="http://schemas.microsoft.com/office/drawing/2014/main" id="{EF3741D1-361E-0A8E-80FD-1F01CC297FB9}"/>
-              </a:ext>
-            </a:extLst>
-          </p:cNvPr>
-          <p:cNvSpPr txBox="1"/>
-          <p:nvPr/>
-        </p:nvSpPr>
-        <p:spPr>
-          <a:xfrm>
-            <a:off x="908733" y="1018977"/>
-            <a:ext cx="6096000" cy="369332"/>
-          </a:xfrm>
-          <a:prstGeom prst="rect">
-            <a:avLst/>
-          </a:prstGeom>
-          <a:noFill/>
-        </p:spPr>
-        <p:txBody>
-          <a:bodyPr wrap="square">
-            <a:spAutoFit/>
-          </a:bodyPr>
-          <a:lstStyle/>
-          <a:p>
-            <a:r>
-              <a:rPr lang="en-US" altLang="ko-KR" sz="1800" dirty="0">
-                <a:latin typeface="리디바탕" panose="020B0600000101010101" pitchFamily="34" charset="-127"/>
-                <a:ea typeface="리디바탕" panose="020B0600000101010101" pitchFamily="34" charset="-127"/>
-              </a:rPr>
-              <a:t>COUNTIF</a:t>
-            </a:r>
-            <a:endParaRPr lang="ko-KR" altLang="en-US" dirty="0"/>
-          </a:p>
-        </p:txBody>
-      </p:sp>
-      <p:sp>
-        <p:nvSpPr>
-          <p:cNvPr id="5" name="직사각형 4">
-            <a:extLst>
-              <a:ext uri="{FF2B5EF4-FFF2-40B4-BE49-F238E27FC236}">
-                <a16:creationId xmlns:a16="http://schemas.microsoft.com/office/drawing/2014/main" id="{4DEA3822-CEF3-EB98-07CA-F9D985B66F61}"/>
-              </a:ext>
-            </a:extLst>
-          </p:cNvPr>
-          <p:cNvSpPr/>
-          <p:nvPr/>
-        </p:nvSpPr>
-        <p:spPr>
-          <a:xfrm>
-            <a:off x="704850" y="319293"/>
-            <a:ext cx="10782300" cy="646331"/>
-          </a:xfrm>
-          <a:prstGeom prst="rect">
-            <a:avLst/>
-          </a:prstGeom>
-        </p:spPr>
-        <p:txBody>
-          <a:bodyPr wrap="square">
-            <a:spAutoFit/>
-          </a:bodyPr>
-          <a:lstStyle/>
-          <a:p>
-            <a:r>
-              <a:rPr lang="en-US" altLang="ko-KR" sz="3600" dirty="0">
-                <a:latin typeface="리디바탕" panose="020B0600000101010101" pitchFamily="34" charset="-127"/>
-                <a:ea typeface="리디바탕" panose="020B0600000101010101" pitchFamily="34" charset="-127"/>
-              </a:rPr>
-              <a:t>4. </a:t>
-            </a:r>
-            <a:r>
-              <a:rPr lang="ko-KR" altLang="en-US" sz="3600" dirty="0">
-                <a:latin typeface="리디바탕" panose="020B0600000101010101" pitchFamily="34" charset="-127"/>
-                <a:ea typeface="리디바탕" panose="020B0600000101010101" pitchFamily="34" charset="-127"/>
-              </a:rPr>
-              <a:t>조건부 연산 </a:t>
-            </a:r>
-            <a:r>
-              <a:rPr lang="en-US" altLang="ko-KR" sz="2400" dirty="0">
-                <a:latin typeface="리디바탕" panose="020B0600000101010101" pitchFamily="34" charset="-127"/>
-                <a:ea typeface="리디바탕" panose="020B0600000101010101" pitchFamily="34" charset="-127"/>
-              </a:rPr>
-              <a:t>(IF, COUNTIF, SUMIF, AVERAGEIF, AVERAGEIFS)</a:t>
-            </a:r>
-            <a:endParaRPr lang="ko-KR" altLang="en-US" sz="2800" dirty="0">
-              <a:latin typeface="리디바탕" panose="020B0600000101010101" pitchFamily="34" charset="-127"/>
-              <a:ea typeface="리디바탕" panose="020B0600000101010101" pitchFamily="34" charset="-127"/>
-            </a:endParaRPr>
-          </a:p>
-        </p:txBody>
-      </p:sp>
-      <p:pic>
-        <p:nvPicPr>
-          <p:cNvPr id="7" name="그림 6">
-            <a:extLst>
-              <a:ext uri="{FF2B5EF4-FFF2-40B4-BE49-F238E27FC236}">
-                <a16:creationId xmlns:a16="http://schemas.microsoft.com/office/drawing/2014/main" id="{903BFD48-23B6-17DF-3FB9-A9502C14D2B4}"/>
-              </a:ext>
-            </a:extLst>
-          </p:cNvPr>
-          <p:cNvPicPr>
-            <a:picLocks noChangeAspect="1"/>
-          </p:cNvPicPr>
-          <p:nvPr/>
-        </p:nvPicPr>
-        <p:blipFill>
-          <a:blip r:embed="rId2"/>
-          <a:stretch>
-            <a:fillRect/>
-          </a:stretch>
-        </p:blipFill>
-        <p:spPr>
-          <a:xfrm>
-            <a:off x="292490" y="2064174"/>
-            <a:ext cx="5472920" cy="3212676"/>
-          </a:xfrm>
-          <a:prstGeom prst="rect">
-            <a:avLst/>
-          </a:prstGeom>
-        </p:spPr>
-      </p:pic>
-      <p:pic>
-        <p:nvPicPr>
-          <p:cNvPr id="11" name="그림 10">
-            <a:extLst>
-              <a:ext uri="{FF2B5EF4-FFF2-40B4-BE49-F238E27FC236}">
-                <a16:creationId xmlns:a16="http://schemas.microsoft.com/office/drawing/2014/main" id="{A8B23CC2-D01A-716E-18A9-4EA6AC01B0B3}"/>
-              </a:ext>
-            </a:extLst>
-          </p:cNvPr>
-          <p:cNvPicPr>
-            <a:picLocks noChangeAspect="1"/>
-          </p:cNvPicPr>
-          <p:nvPr/>
-        </p:nvPicPr>
-        <p:blipFill>
-          <a:blip r:embed="rId3"/>
-          <a:stretch>
-            <a:fillRect/>
-          </a:stretch>
-        </p:blipFill>
-        <p:spPr>
-          <a:xfrm>
-            <a:off x="6413890" y="1333207"/>
-            <a:ext cx="5317222" cy="5042193"/>
-          </a:xfrm>
-          <a:prstGeom prst="rect">
-            <a:avLst/>
-          </a:prstGeom>
-        </p:spPr>
-      </p:pic>
-    </p:spTree>
-    <p:extLst>
-      <p:ext uri="{BB962C8B-B14F-4D97-AF65-F5344CB8AC3E}">
-        <p14:creationId xmlns:p14="http://schemas.microsoft.com/office/powerpoint/2010/main" val="908698863"/>
       </p:ext>
     </p:extLst>
   </p:cSld>
@@ -15017,7 +15264,7 @@
                 <a:latin typeface="리디바탕" panose="020B0600000101010101" pitchFamily="34" charset="-127"/>
                 <a:ea typeface="리디바탕" panose="020B0600000101010101" pitchFamily="34" charset="-127"/>
               </a:rPr>
-              <a:t>SUMIF</a:t>
+              <a:t>COUNTIF</a:t>
             </a:r>
             <a:endParaRPr lang="ko-KR" altLang="en-US" dirty="0"/>
           </a:p>
@@ -15080,10 +15327,10 @@
       </p:sp>
       <p:pic>
         <p:nvPicPr>
-          <p:cNvPr id="6" name="그림 5">
+          <p:cNvPr id="7" name="그림 6">
             <a:extLst>
               <a:ext uri="{FF2B5EF4-FFF2-40B4-BE49-F238E27FC236}">
-                <a16:creationId xmlns:a16="http://schemas.microsoft.com/office/drawing/2014/main" id="{A60B637B-3C2B-2759-3609-21BD5FEAD236}"/>
+                <a16:creationId xmlns:a16="http://schemas.microsoft.com/office/drawing/2014/main" id="{903BFD48-23B6-17DF-3FB9-A9502C14D2B4}"/>
               </a:ext>
             </a:extLst>
           </p:cNvPr>
@@ -15100,8 +15347,8 @@
         </p:blipFill>
         <p:spPr>
           <a:xfrm>
-            <a:off x="312912" y="2048044"/>
-            <a:ext cx="5541017" cy="3244936"/>
+            <a:off x="292490" y="2064174"/>
+            <a:ext cx="5472920" cy="3212676"/>
           </a:xfrm>
           <a:prstGeom prst="rect">
             <a:avLst/>
@@ -15110,10 +15357,10 @@
       </p:pic>
       <p:pic>
         <p:nvPicPr>
-          <p:cNvPr id="8" name="그림 7">
+          <p:cNvPr id="11" name="그림 10">
             <a:extLst>
               <a:ext uri="{FF2B5EF4-FFF2-40B4-BE49-F238E27FC236}">
-                <a16:creationId xmlns:a16="http://schemas.microsoft.com/office/drawing/2014/main" id="{EA85BB27-C5BC-C567-3587-A64791686DE2}"/>
+                <a16:creationId xmlns:a16="http://schemas.microsoft.com/office/drawing/2014/main" id="{A8B23CC2-D01A-716E-18A9-4EA6AC01B0B3}"/>
               </a:ext>
             </a:extLst>
           </p:cNvPr>
@@ -15130,8 +15377,8 @@
         </p:blipFill>
         <p:spPr>
           <a:xfrm>
-            <a:off x="6325370" y="1388309"/>
-            <a:ext cx="5161779" cy="4912748"/>
+            <a:off x="6413890" y="1333207"/>
+            <a:ext cx="5317222" cy="5042193"/>
           </a:xfrm>
           <a:prstGeom prst="rect">
             <a:avLst/>
@@ -15141,7 +15388,7 @@
     </p:spTree>
     <p:extLst>
       <p:ext uri="{BB962C8B-B14F-4D97-AF65-F5344CB8AC3E}">
-        <p14:creationId xmlns:p14="http://schemas.microsoft.com/office/powerpoint/2010/main" val="1981885199"/>
+        <p14:creationId xmlns:p14="http://schemas.microsoft.com/office/powerpoint/2010/main" val="908698863"/>
       </p:ext>
     </p:extLst>
   </p:cSld>
@@ -15265,7 +15512,7 @@
                 <a:latin typeface="리디바탕" panose="020B0600000101010101" pitchFamily="34" charset="-127"/>
                 <a:ea typeface="리디바탕" panose="020B0600000101010101" pitchFamily="34" charset="-127"/>
               </a:rPr>
-              <a:t>AVERAGEIF</a:t>
+              <a:t>SUMIF</a:t>
             </a:r>
             <a:endParaRPr lang="ko-KR" altLang="en-US" dirty="0"/>
           </a:p>
@@ -15328,10 +15575,10 @@
       </p:sp>
       <p:pic>
         <p:nvPicPr>
-          <p:cNvPr id="8" name="그림 7">
+          <p:cNvPr id="6" name="그림 5">
             <a:extLst>
               <a:ext uri="{FF2B5EF4-FFF2-40B4-BE49-F238E27FC236}">
-                <a16:creationId xmlns:a16="http://schemas.microsoft.com/office/drawing/2014/main" id="{D6DDCDD3-A12D-2A66-1FD0-B959AEAF215A}"/>
+                <a16:creationId xmlns:a16="http://schemas.microsoft.com/office/drawing/2014/main" id="{A60B637B-3C2B-2759-3609-21BD5FEAD236}"/>
               </a:ext>
             </a:extLst>
           </p:cNvPr>
@@ -15348,8 +15595,8 @@
         </p:blipFill>
         <p:spPr>
           <a:xfrm>
-            <a:off x="6541224" y="1388309"/>
-            <a:ext cx="4997820" cy="4886512"/>
+            <a:off x="312912" y="2048044"/>
+            <a:ext cx="5541017" cy="3244936"/>
           </a:xfrm>
           <a:prstGeom prst="rect">
             <a:avLst/>
@@ -15358,10 +15605,10 @@
       </p:pic>
       <p:pic>
         <p:nvPicPr>
-          <p:cNvPr id="10" name="그림 9">
+          <p:cNvPr id="8" name="그림 7">
             <a:extLst>
               <a:ext uri="{FF2B5EF4-FFF2-40B4-BE49-F238E27FC236}">
-                <a16:creationId xmlns:a16="http://schemas.microsoft.com/office/drawing/2014/main" id="{ADE9E01B-25C1-3FA8-1A75-22D4419B6C02}"/>
+                <a16:creationId xmlns:a16="http://schemas.microsoft.com/office/drawing/2014/main" id="{EA85BB27-C5BC-C567-3587-A64791686DE2}"/>
               </a:ext>
             </a:extLst>
           </p:cNvPr>
@@ -15378,8 +15625,8 @@
         </p:blipFill>
         <p:spPr>
           <a:xfrm>
-            <a:off x="272071" y="2060787"/>
-            <a:ext cx="5588617" cy="3219450"/>
+            <a:off x="6325370" y="1388309"/>
+            <a:ext cx="5161779" cy="4912748"/>
           </a:xfrm>
           <a:prstGeom prst="rect">
             <a:avLst/>
@@ -15389,7 +15636,7 @@
     </p:spTree>
     <p:extLst>
       <p:ext uri="{BB962C8B-B14F-4D97-AF65-F5344CB8AC3E}">
-        <p14:creationId xmlns:p14="http://schemas.microsoft.com/office/powerpoint/2010/main" val="2600002560"/>
+        <p14:creationId xmlns:p14="http://schemas.microsoft.com/office/powerpoint/2010/main" val="1981885199"/>
       </p:ext>
     </p:extLst>
   </p:cSld>
@@ -15513,7 +15760,7 @@
                 <a:latin typeface="리디바탕" panose="020B0600000101010101" pitchFamily="34" charset="-127"/>
                 <a:ea typeface="리디바탕" panose="020B0600000101010101" pitchFamily="34" charset="-127"/>
               </a:rPr>
-              <a:t>AVERAGEIFS</a:t>
+              <a:t>AVERAGEIF</a:t>
             </a:r>
             <a:endParaRPr lang="ko-KR" altLang="en-US" dirty="0"/>
           </a:p>
@@ -15576,10 +15823,10 @@
       </p:sp>
       <p:pic>
         <p:nvPicPr>
-          <p:cNvPr id="6" name="그림 5">
+          <p:cNvPr id="8" name="그림 7">
             <a:extLst>
               <a:ext uri="{FF2B5EF4-FFF2-40B4-BE49-F238E27FC236}">
-                <a16:creationId xmlns:a16="http://schemas.microsoft.com/office/drawing/2014/main" id="{2E4D0D4B-8311-9FAE-45FF-DA5B43A8F111}"/>
+                <a16:creationId xmlns:a16="http://schemas.microsoft.com/office/drawing/2014/main" id="{D6DDCDD3-A12D-2A66-1FD0-B959AEAF215A}"/>
               </a:ext>
             </a:extLst>
           </p:cNvPr>
@@ -15596,8 +15843,8 @@
         </p:blipFill>
         <p:spPr>
           <a:xfrm>
-            <a:off x="172286" y="2059363"/>
-            <a:ext cx="5606214" cy="3222298"/>
+            <a:off x="6541224" y="1388309"/>
+            <a:ext cx="4997820" cy="4886512"/>
           </a:xfrm>
           <a:prstGeom prst="rect">
             <a:avLst/>
@@ -15606,10 +15853,10 @@
       </p:pic>
       <p:pic>
         <p:nvPicPr>
-          <p:cNvPr id="8" name="그림 7">
+          <p:cNvPr id="10" name="그림 9">
             <a:extLst>
               <a:ext uri="{FF2B5EF4-FFF2-40B4-BE49-F238E27FC236}">
-                <a16:creationId xmlns:a16="http://schemas.microsoft.com/office/drawing/2014/main" id="{86B81B36-208E-D151-9C38-9BA15D6D6ADD}"/>
+                <a16:creationId xmlns:a16="http://schemas.microsoft.com/office/drawing/2014/main" id="{ADE9E01B-25C1-3FA8-1A75-22D4419B6C02}"/>
               </a:ext>
             </a:extLst>
           </p:cNvPr>
@@ -15626,8 +15873,8 @@
         </p:blipFill>
         <p:spPr>
           <a:xfrm>
-            <a:off x="6573720" y="1441662"/>
-            <a:ext cx="4900730" cy="5105400"/>
+            <a:off x="272071" y="2060787"/>
+            <a:ext cx="5588617" cy="3219450"/>
           </a:xfrm>
           <a:prstGeom prst="rect">
             <a:avLst/>
@@ -15637,7 +15884,7 @@
     </p:spTree>
     <p:extLst>
       <p:ext uri="{BB962C8B-B14F-4D97-AF65-F5344CB8AC3E}">
-        <p14:creationId xmlns:p14="http://schemas.microsoft.com/office/powerpoint/2010/main" val="2507106869"/>
+        <p14:creationId xmlns:p14="http://schemas.microsoft.com/office/powerpoint/2010/main" val="2600002560"/>
       </p:ext>
     </p:extLst>
   </p:cSld>
@@ -15761,7 +16008,7 @@
                 <a:latin typeface="리디바탕" panose="020B0600000101010101" pitchFamily="34" charset="-127"/>
                 <a:ea typeface="리디바탕" panose="020B0600000101010101" pitchFamily="34" charset="-127"/>
               </a:rPr>
-              <a:t>LEFT</a:t>
+              <a:t>AVERAGEIFS</a:t>
             </a:r>
             <a:endParaRPr lang="ko-KR" altLang="en-US" dirty="0"/>
           </a:p>
@@ -15799,29 +16046,93 @@
                 <a:latin typeface="리디바탕" panose="020B0600000101010101" pitchFamily="34" charset="-127"/>
                 <a:ea typeface="리디바탕" panose="020B0600000101010101" pitchFamily="34" charset="-127"/>
               </a:rPr>
-              <a:t>5. </a:t>
+              <a:t>4. </a:t>
             </a:r>
             <a:r>
               <a:rPr lang="ko-KR" altLang="en-US" sz="3600" dirty="0">
                 <a:latin typeface="리디바탕" panose="020B0600000101010101" pitchFamily="34" charset="-127"/>
                 <a:ea typeface="리디바탕" panose="020B0600000101010101" pitchFamily="34" charset="-127"/>
               </a:rPr>
-              <a:t>글자함수 </a:t>
-            </a:r>
-            <a:r>
-              <a:rPr lang="en-US" altLang="ko-KR" sz="3600" dirty="0">
-                <a:latin typeface="리디바탕" panose="020B0600000101010101" pitchFamily="34" charset="-127"/>
-                <a:ea typeface="리디바탕" panose="020B0600000101010101" pitchFamily="34" charset="-127"/>
-              </a:rPr>
-              <a:t>(LEFT, RIGHT, MID, LEN)</a:t>
-            </a:r>
-          </a:p>
-        </p:txBody>
-      </p:sp>
+              <a:t>조건부 연산 </a:t>
+            </a:r>
+            <a:r>
+              <a:rPr lang="en-US" altLang="ko-KR" sz="2400" dirty="0">
+                <a:latin typeface="리디바탕" panose="020B0600000101010101" pitchFamily="34" charset="-127"/>
+                <a:ea typeface="리디바탕" panose="020B0600000101010101" pitchFamily="34" charset="-127"/>
+              </a:rPr>
+              <a:t>(IF, COUNTIF, SUMIF, AVERAGEIF, AVERAGEIFS)</a:t>
+            </a:r>
+            <a:endParaRPr lang="ko-KR" altLang="en-US" sz="2800" dirty="0">
+              <a:latin typeface="리디바탕" panose="020B0600000101010101" pitchFamily="34" charset="-127"/>
+              <a:ea typeface="리디바탕" panose="020B0600000101010101" pitchFamily="34" charset="-127"/>
+            </a:endParaRPr>
+          </a:p>
+        </p:txBody>
+      </p:sp>
+      <p:pic>
+        <p:nvPicPr>
+          <p:cNvPr id="6" name="그림 5">
+            <a:extLst>
+              <a:ext uri="{FF2B5EF4-FFF2-40B4-BE49-F238E27FC236}">
+                <a16:creationId xmlns:a16="http://schemas.microsoft.com/office/drawing/2014/main" id="{2E4D0D4B-8311-9FAE-45FF-DA5B43A8F111}"/>
+              </a:ext>
+            </a:extLst>
+          </p:cNvPr>
+          <p:cNvPicPr>
+            <a:picLocks noChangeAspect="1"/>
+          </p:cNvPicPr>
+          <p:nvPr/>
+        </p:nvPicPr>
+        <p:blipFill>
+          <a:blip r:embed="rId2"/>
+          <a:stretch>
+            <a:fillRect/>
+          </a:stretch>
+        </p:blipFill>
+        <p:spPr>
+          <a:xfrm>
+            <a:off x="172286" y="2059363"/>
+            <a:ext cx="5606214" cy="3222298"/>
+          </a:xfrm>
+          <a:prstGeom prst="rect">
+            <a:avLst/>
+          </a:prstGeom>
+        </p:spPr>
+      </p:pic>
+      <p:pic>
+        <p:nvPicPr>
+          <p:cNvPr id="8" name="그림 7">
+            <a:extLst>
+              <a:ext uri="{FF2B5EF4-FFF2-40B4-BE49-F238E27FC236}">
+                <a16:creationId xmlns:a16="http://schemas.microsoft.com/office/drawing/2014/main" id="{86B81B36-208E-D151-9C38-9BA15D6D6ADD}"/>
+              </a:ext>
+            </a:extLst>
+          </p:cNvPr>
+          <p:cNvPicPr>
+            <a:picLocks noChangeAspect="1"/>
+          </p:cNvPicPr>
+          <p:nvPr/>
+        </p:nvPicPr>
+        <p:blipFill>
+          <a:blip r:embed="rId3"/>
+          <a:stretch>
+            <a:fillRect/>
+          </a:stretch>
+        </p:blipFill>
+        <p:spPr>
+          <a:xfrm>
+            <a:off x="6573720" y="1441662"/>
+            <a:ext cx="4900730" cy="5105400"/>
+          </a:xfrm>
+          <a:prstGeom prst="rect">
+            <a:avLst/>
+          </a:prstGeom>
+        </p:spPr>
+      </p:pic>
     </p:spTree>
     <p:extLst>
       <p:ext uri="{BB962C8B-B14F-4D97-AF65-F5344CB8AC3E}">
-        <p14:creationId xmlns:p14="http://schemas.microsoft.com/office/powerpoint/2010/main" val="1334680119"/>
+        <p14:creationId xmlns:p14="http://schemas.microsoft.com/office/powerpoint/2010/main" val="2507106869"/>
       </p:ext>
     </p:extLst>
   </p:cSld>
@@ -15945,7 +16256,7 @@
                 <a:latin typeface="리디바탕" panose="020B0600000101010101" pitchFamily="34" charset="-127"/>
                 <a:ea typeface="리디바탕" panose="020B0600000101010101" pitchFamily="34" charset="-127"/>
               </a:rPr>
-              <a:t>RIGHT</a:t>
+              <a:t>LEFT</a:t>
             </a:r>
             <a:endParaRPr lang="ko-KR" altLang="en-US" dirty="0"/>
           </a:p>
@@ -16005,7 +16316,7 @@
     </p:spTree>
     <p:extLst>
       <p:ext uri="{BB962C8B-B14F-4D97-AF65-F5344CB8AC3E}">
-        <p14:creationId xmlns:p14="http://schemas.microsoft.com/office/powerpoint/2010/main" val="3821950113"/>
+        <p14:creationId xmlns:p14="http://schemas.microsoft.com/office/powerpoint/2010/main" val="1334680119"/>
       </p:ext>
     </p:extLst>
   </p:cSld>
@@ -16129,7 +16440,7 @@
                 <a:latin typeface="리디바탕" panose="020B0600000101010101" pitchFamily="34" charset="-127"/>
                 <a:ea typeface="리디바탕" panose="020B0600000101010101" pitchFamily="34" charset="-127"/>
               </a:rPr>
-              <a:t>MID</a:t>
+              <a:t>RIGHT</a:t>
             </a:r>
             <a:endParaRPr lang="ko-KR" altLang="en-US" dirty="0"/>
           </a:p>
@@ -16189,7 +16500,7 @@
     </p:spTree>
     <p:extLst>
       <p:ext uri="{BB962C8B-B14F-4D97-AF65-F5344CB8AC3E}">
-        <p14:creationId xmlns:p14="http://schemas.microsoft.com/office/powerpoint/2010/main" val="499103541"/>
+        <p14:creationId xmlns:p14="http://schemas.microsoft.com/office/powerpoint/2010/main" val="3821950113"/>
       </p:ext>
     </p:extLst>
   </p:cSld>
@@ -17489,6 +17800,190 @@
                 <a:latin typeface="리디바탕" panose="020B0600000101010101" pitchFamily="34" charset="-127"/>
                 <a:ea typeface="리디바탕" panose="020B0600000101010101" pitchFamily="34" charset="-127"/>
               </a:rPr>
+              <a:t>MID</a:t>
+            </a:r>
+            <a:endParaRPr lang="ko-KR" altLang="en-US" dirty="0"/>
+          </a:p>
+        </p:txBody>
+      </p:sp>
+      <p:sp>
+        <p:nvSpPr>
+          <p:cNvPr id="5" name="직사각형 4">
+            <a:extLst>
+              <a:ext uri="{FF2B5EF4-FFF2-40B4-BE49-F238E27FC236}">
+                <a16:creationId xmlns:a16="http://schemas.microsoft.com/office/drawing/2014/main" id="{4DEA3822-CEF3-EB98-07CA-F9D985B66F61}"/>
+              </a:ext>
+            </a:extLst>
+          </p:cNvPr>
+          <p:cNvSpPr/>
+          <p:nvPr/>
+        </p:nvSpPr>
+        <p:spPr>
+          <a:xfrm>
+            <a:off x="704850" y="319293"/>
+            <a:ext cx="10782300" cy="646331"/>
+          </a:xfrm>
+          <a:prstGeom prst="rect">
+            <a:avLst/>
+          </a:prstGeom>
+        </p:spPr>
+        <p:txBody>
+          <a:bodyPr wrap="square">
+            <a:spAutoFit/>
+          </a:bodyPr>
+          <a:lstStyle/>
+          <a:p>
+            <a:r>
+              <a:rPr lang="en-US" altLang="ko-KR" sz="3600" dirty="0">
+                <a:latin typeface="리디바탕" panose="020B0600000101010101" pitchFamily="34" charset="-127"/>
+                <a:ea typeface="리디바탕" panose="020B0600000101010101" pitchFamily="34" charset="-127"/>
+              </a:rPr>
+              <a:t>5. </a:t>
+            </a:r>
+            <a:r>
+              <a:rPr lang="ko-KR" altLang="en-US" sz="3600" dirty="0">
+                <a:latin typeface="리디바탕" panose="020B0600000101010101" pitchFamily="34" charset="-127"/>
+                <a:ea typeface="리디바탕" panose="020B0600000101010101" pitchFamily="34" charset="-127"/>
+              </a:rPr>
+              <a:t>글자함수 </a:t>
+            </a:r>
+            <a:r>
+              <a:rPr lang="en-US" altLang="ko-KR" sz="3600" dirty="0">
+                <a:latin typeface="리디바탕" panose="020B0600000101010101" pitchFamily="34" charset="-127"/>
+                <a:ea typeface="리디바탕" panose="020B0600000101010101" pitchFamily="34" charset="-127"/>
+              </a:rPr>
+              <a:t>(LEFT, RIGHT, MID, LEN)</a:t>
+            </a:r>
+          </a:p>
+        </p:txBody>
+      </p:sp>
+    </p:spTree>
+    <p:extLst>
+      <p:ext uri="{BB962C8B-B14F-4D97-AF65-F5344CB8AC3E}">
+        <p14:creationId xmlns:p14="http://schemas.microsoft.com/office/powerpoint/2010/main" val="499103541"/>
+      </p:ext>
+    </p:extLst>
+  </p:cSld>
+  <p:clrMapOvr>
+    <a:masterClrMapping/>
+  </p:clrMapOvr>
+  <p:timing>
+    <p:tnLst>
+      <p:par>
+        <p:cTn id="1" dur="indefinite" restart="never" nodeType="tmRoot"/>
+      </p:par>
+    </p:tnLst>
+  </p:timing>
+</p:sld>
+</file>
+
+<file path=ppt/slides/slide31.xml><?xml version="1.0" encoding="utf-8"?>
+<p:sld xmlns:a="http://schemas.openxmlformats.org/drawingml/2006/main" xmlns:r="http://schemas.openxmlformats.org/officeDocument/2006/relationships" xmlns:p="http://schemas.openxmlformats.org/presentationml/2006/main">
+  <p:cSld>
+    <p:spTree>
+      <p:nvGrpSpPr>
+        <p:cNvPr id="1" name=""/>
+        <p:cNvGrpSpPr/>
+        <p:nvPr/>
+      </p:nvGrpSpPr>
+      <p:grpSpPr>
+        <a:xfrm>
+          <a:off x="0" y="0"/>
+          <a:ext cx="0" cy="0"/>
+          <a:chOff x="0" y="0"/>
+          <a:chExt cx="0" cy="0"/>
+        </a:xfrm>
+      </p:grpSpPr>
+      <p:cxnSp>
+        <p:nvCxnSpPr>
+          <p:cNvPr id="3" name="직선 연결선 2">
+            <a:extLst>
+              <a:ext uri="{FF2B5EF4-FFF2-40B4-BE49-F238E27FC236}">
+                <a16:creationId xmlns:a16="http://schemas.microsoft.com/office/drawing/2014/main" id="{4B5B4945-B2B5-0AB7-EA10-E35EA1FB2D02}"/>
+              </a:ext>
+            </a:extLst>
+          </p:cNvPr>
+          <p:cNvCxnSpPr/>
+          <p:nvPr/>
+        </p:nvCxnSpPr>
+        <p:spPr>
+          <a:xfrm flipH="1">
+            <a:off x="6083300" y="965624"/>
+            <a:ext cx="12700" cy="5409776"/>
+          </a:xfrm>
+          <a:prstGeom prst="line">
+            <a:avLst/>
+          </a:prstGeom>
+          <a:ln>
+            <a:gradFill>
+              <a:gsLst>
+                <a:gs pos="54000">
+                  <a:schemeClr val="tx1"/>
+                </a:gs>
+                <a:gs pos="6000">
+                  <a:schemeClr val="bg1"/>
+                </a:gs>
+                <a:gs pos="89000">
+                  <a:schemeClr val="bg1">
+                    <a:lumMod val="50000"/>
+                  </a:schemeClr>
+                </a:gs>
+                <a:gs pos="92000">
+                  <a:schemeClr val="bg1"/>
+                </a:gs>
+              </a:gsLst>
+              <a:lin ang="5400000" scaled="1"/>
+            </a:gradFill>
+          </a:ln>
+        </p:spPr>
+        <p:style>
+          <a:lnRef idx="1">
+            <a:schemeClr val="accent1"/>
+          </a:lnRef>
+          <a:fillRef idx="0">
+            <a:schemeClr val="accent1"/>
+          </a:fillRef>
+          <a:effectRef idx="0">
+            <a:schemeClr val="accent1"/>
+          </a:effectRef>
+          <a:fontRef idx="minor">
+            <a:schemeClr val="tx1"/>
+          </a:fontRef>
+        </p:style>
+      </p:cxnSp>
+      <p:sp>
+        <p:nvSpPr>
+          <p:cNvPr id="4" name="TextBox 3">
+            <a:extLst>
+              <a:ext uri="{FF2B5EF4-FFF2-40B4-BE49-F238E27FC236}">
+                <a16:creationId xmlns:a16="http://schemas.microsoft.com/office/drawing/2014/main" id="{EF3741D1-361E-0A8E-80FD-1F01CC297FB9}"/>
+              </a:ext>
+            </a:extLst>
+          </p:cNvPr>
+          <p:cNvSpPr txBox="1"/>
+          <p:nvPr/>
+        </p:nvSpPr>
+        <p:spPr>
+          <a:xfrm>
+            <a:off x="908733" y="1018977"/>
+            <a:ext cx="6096000" cy="369332"/>
+          </a:xfrm>
+          <a:prstGeom prst="rect">
+            <a:avLst/>
+          </a:prstGeom>
+          <a:noFill/>
+        </p:spPr>
+        <p:txBody>
+          <a:bodyPr wrap="square">
+            <a:spAutoFit/>
+          </a:bodyPr>
+          <a:lstStyle/>
+          <a:p>
+            <a:r>
+              <a:rPr lang="en-US" altLang="ko-KR" sz="1800" dirty="0">
+                <a:latin typeface="리디바탕" panose="020B0600000101010101" pitchFamily="34" charset="-127"/>
+                <a:ea typeface="리디바탕" panose="020B0600000101010101" pitchFamily="34" charset="-127"/>
+              </a:rPr>
               <a:t>LEN</a:t>
             </a:r>
             <a:endParaRPr lang="ko-KR" altLang="en-US" dirty="0"/>
@@ -17566,7 +18061,7 @@
 </p:sld>
 </file>
 
-<file path=ppt/slides/slide31.xml><?xml version="1.0" encoding="utf-8"?>
+<file path=ppt/slides/slide32.xml><?xml version="1.0" encoding="utf-8"?>
 <p:sld xmlns:a="http://schemas.openxmlformats.org/drawingml/2006/main" xmlns:r="http://schemas.openxmlformats.org/officeDocument/2006/relationships" xmlns:p="http://schemas.openxmlformats.org/presentationml/2006/main">
   <p:cSld>
     <p:spTree>
@@ -17603,82 +18098,6 @@
 </p:sld>
 </file>
 
-<file path=ppt/slides/slide32.xml><?xml version="1.0" encoding="utf-8"?>
-<p:sld xmlns:a="http://schemas.openxmlformats.org/drawingml/2006/main" xmlns:r="http://schemas.openxmlformats.org/officeDocument/2006/relationships" xmlns:p="http://schemas.openxmlformats.org/presentationml/2006/main">
-  <p:cSld>
-    <p:spTree>
-      <p:nvGrpSpPr>
-        <p:cNvPr id="1" name=""/>
-        <p:cNvGrpSpPr/>
-        <p:nvPr/>
-      </p:nvGrpSpPr>
-      <p:grpSpPr>
-        <a:xfrm>
-          <a:off x="0" y="0"/>
-          <a:ext cx="0" cy="0"/>
-          <a:chOff x="0" y="0"/>
-          <a:chExt cx="0" cy="0"/>
-        </a:xfrm>
-      </p:grpSpPr>
-      <p:sp>
-        <p:nvSpPr>
-          <p:cNvPr id="4" name="직사각형 3"/>
-          <p:cNvSpPr/>
-          <p:nvPr/>
-        </p:nvSpPr>
-        <p:spPr>
-          <a:xfrm>
-            <a:off x="-1" y="2871993"/>
-            <a:ext cx="12192002" cy="646331"/>
-          </a:xfrm>
-          <a:prstGeom prst="rect">
-            <a:avLst/>
-          </a:prstGeom>
-        </p:spPr>
-        <p:txBody>
-          <a:bodyPr wrap="square">
-            <a:spAutoFit/>
-          </a:bodyPr>
-          <a:lstStyle/>
-          <a:p>
-            <a:pPr algn="ctr"/>
-            <a:r>
-              <a:rPr lang="en-US" altLang="ko-KR" sz="3600" dirty="0">
-                <a:latin typeface="리디바탕" panose="020B0600000101010101" pitchFamily="34" charset="-127"/>
-                <a:ea typeface="리디바탕" panose="020B0600000101010101" pitchFamily="34" charset="-127"/>
-              </a:rPr>
-              <a:t>B. </a:t>
-            </a:r>
-            <a:r>
-              <a:rPr lang="ko-KR" altLang="en-US" sz="3600" dirty="0">
-                <a:latin typeface="리디바탕" panose="020B0600000101010101" pitchFamily="34" charset="-127"/>
-                <a:ea typeface="리디바탕" panose="020B0600000101010101" pitchFamily="34" charset="-127"/>
-              </a:rPr>
-              <a:t>익숙하다고 생각했던 엑셀</a:t>
-            </a:r>
-          </a:p>
-        </p:txBody>
-      </p:sp>
-    </p:spTree>
-    <p:extLst>
-      <p:ext uri="{BB962C8B-B14F-4D97-AF65-F5344CB8AC3E}">
-        <p14:creationId xmlns:p14="http://schemas.microsoft.com/office/powerpoint/2010/main" val="3034581559"/>
-      </p:ext>
-    </p:extLst>
-  </p:cSld>
-  <p:clrMapOvr>
-    <a:masterClrMapping/>
-  </p:clrMapOvr>
-  <p:timing>
-    <p:tnLst>
-      <p:par>
-        <p:cTn id="1" dur="indefinite" restart="never" nodeType="tmRoot"/>
-      </p:par>
-    </p:tnLst>
-  </p:timing>
-</p:sld>
-</file>
-
 <file path=ppt/slides/slide33.xml><?xml version="1.0" encoding="utf-8"?>
 <p:sld xmlns:a="http://schemas.openxmlformats.org/drawingml/2006/main" xmlns:r="http://schemas.openxmlformats.org/officeDocument/2006/relationships" xmlns:p="http://schemas.openxmlformats.org/presentationml/2006/main">
   <p:cSld>
@@ -17698,14 +18117,14 @@
       </p:grpSpPr>
       <p:sp>
         <p:nvSpPr>
-          <p:cNvPr id="3" name="직사각형 2"/>
+          <p:cNvPr id="4" name="직사각형 3"/>
           <p:cNvSpPr/>
           <p:nvPr/>
         </p:nvSpPr>
         <p:spPr>
           <a:xfrm>
-            <a:off x="704850" y="319293"/>
-            <a:ext cx="10782300" cy="646331"/>
+            <a:off x="-1" y="2871993"/>
+            <a:ext cx="12192002" cy="646331"/>
           </a:xfrm>
           <a:prstGeom prst="rect">
             <a:avLst/>
@@ -17717,80 +18136,28 @@
           </a:bodyPr>
           <a:lstStyle/>
           <a:p>
+            <a:pPr algn="ctr"/>
             <a:r>
               <a:rPr lang="en-US" altLang="ko-KR" sz="3600" dirty="0">
                 <a:latin typeface="리디바탕" panose="020B0600000101010101" pitchFamily="34" charset="-127"/>
                 <a:ea typeface="리디바탕" panose="020B0600000101010101" pitchFamily="34" charset="-127"/>
               </a:rPr>
-              <a:t>1. </a:t>
+              <a:t>B. </a:t>
             </a:r>
             <a:r>
               <a:rPr lang="ko-KR" altLang="en-US" sz="3600" dirty="0">
                 <a:latin typeface="리디바탕" panose="020B0600000101010101" pitchFamily="34" charset="-127"/>
                 <a:ea typeface="리디바탕" panose="020B0600000101010101" pitchFamily="34" charset="-127"/>
               </a:rPr>
-              <a:t>엑셀 연산이 다른 값을 참조하는 원리</a:t>
-            </a:r>
-          </a:p>
-        </p:txBody>
-      </p:sp>
-      <p:cxnSp>
-        <p:nvCxnSpPr>
-          <p:cNvPr id="5" name="직선 연결선 4"/>
-          <p:cNvCxnSpPr>
-            <a:stCxn id="3" idx="2"/>
-          </p:cNvCxnSpPr>
-          <p:nvPr/>
-        </p:nvCxnSpPr>
-        <p:spPr>
-          <a:xfrm flipH="1">
-            <a:off x="6083300" y="965624"/>
-            <a:ext cx="12700" cy="5409776"/>
-          </a:xfrm>
-          <a:prstGeom prst="line">
-            <a:avLst/>
-          </a:prstGeom>
-          <a:ln>
-            <a:gradFill>
-              <a:gsLst>
-                <a:gs pos="54000">
-                  <a:schemeClr val="tx1"/>
-                </a:gs>
-                <a:gs pos="6000">
-                  <a:schemeClr val="bg1"/>
-                </a:gs>
-                <a:gs pos="89000">
-                  <a:schemeClr val="bg1">
-                    <a:lumMod val="50000"/>
-                  </a:schemeClr>
-                </a:gs>
-                <a:gs pos="92000">
-                  <a:schemeClr val="bg1"/>
-                </a:gs>
-              </a:gsLst>
-              <a:lin ang="5400000" scaled="1"/>
-            </a:gradFill>
-          </a:ln>
-        </p:spPr>
-        <p:style>
-          <a:lnRef idx="1">
-            <a:schemeClr val="accent1"/>
-          </a:lnRef>
-          <a:fillRef idx="0">
-            <a:schemeClr val="accent1"/>
-          </a:fillRef>
-          <a:effectRef idx="0">
-            <a:schemeClr val="accent1"/>
-          </a:effectRef>
-          <a:fontRef idx="minor">
-            <a:schemeClr val="tx1"/>
-          </a:fontRef>
-        </p:style>
-      </p:cxnSp>
+              <a:t>익숙하다고 생각했던 엑셀</a:t>
+            </a:r>
+          </a:p>
+        </p:txBody>
+      </p:sp>
     </p:spTree>
     <p:extLst>
       <p:ext uri="{BB962C8B-B14F-4D97-AF65-F5344CB8AC3E}">
-        <p14:creationId xmlns:p14="http://schemas.microsoft.com/office/powerpoint/2010/main" val="630731037"/>
+        <p14:creationId xmlns:p14="http://schemas.microsoft.com/office/powerpoint/2010/main" val="3034581559"/>
       </p:ext>
     </p:extLst>
   </p:cSld>
@@ -17850,14 +18217,14 @@
                 <a:latin typeface="리디바탕" panose="020B0600000101010101" pitchFamily="34" charset="-127"/>
                 <a:ea typeface="리디바탕" panose="020B0600000101010101" pitchFamily="34" charset="-127"/>
               </a:rPr>
-              <a:t>2. </a:t>
+              <a:t>1. </a:t>
             </a:r>
             <a:r>
               <a:rPr lang="ko-KR" altLang="en-US" sz="3600" dirty="0">
                 <a:latin typeface="리디바탕" panose="020B0600000101010101" pitchFamily="34" charset="-127"/>
                 <a:ea typeface="리디바탕" panose="020B0600000101010101" pitchFamily="34" charset="-127"/>
               </a:rPr>
-              <a:t>엑셀이 복수의 데이터를 처리하는 방법</a:t>
+              <a:t>엑셀 연산이 다른 값을 참조하는 원리</a:t>
             </a:r>
           </a:p>
         </p:txBody>
@@ -17918,7 +18285,7 @@
     </p:spTree>
     <p:extLst>
       <p:ext uri="{BB962C8B-B14F-4D97-AF65-F5344CB8AC3E}">
-        <p14:creationId xmlns:p14="http://schemas.microsoft.com/office/powerpoint/2010/main" val="4091749536"/>
+        <p14:creationId xmlns:p14="http://schemas.microsoft.com/office/powerpoint/2010/main" val="630731037"/>
       </p:ext>
     </p:extLst>
   </p:cSld>
@@ -17978,6 +18345,134 @@
                 <a:latin typeface="리디바탕" panose="020B0600000101010101" pitchFamily="34" charset="-127"/>
                 <a:ea typeface="리디바탕" panose="020B0600000101010101" pitchFamily="34" charset="-127"/>
               </a:rPr>
+              <a:t>2. </a:t>
+            </a:r>
+            <a:r>
+              <a:rPr lang="ko-KR" altLang="en-US" sz="3600" dirty="0">
+                <a:latin typeface="리디바탕" panose="020B0600000101010101" pitchFamily="34" charset="-127"/>
+                <a:ea typeface="리디바탕" panose="020B0600000101010101" pitchFamily="34" charset="-127"/>
+              </a:rPr>
+              <a:t>엑셀이 복수의 데이터를 처리하는 방법</a:t>
+            </a:r>
+          </a:p>
+        </p:txBody>
+      </p:sp>
+      <p:cxnSp>
+        <p:nvCxnSpPr>
+          <p:cNvPr id="5" name="직선 연결선 4"/>
+          <p:cNvCxnSpPr>
+            <a:stCxn id="3" idx="2"/>
+          </p:cNvCxnSpPr>
+          <p:nvPr/>
+        </p:nvCxnSpPr>
+        <p:spPr>
+          <a:xfrm flipH="1">
+            <a:off x="6083300" y="965624"/>
+            <a:ext cx="12700" cy="5409776"/>
+          </a:xfrm>
+          <a:prstGeom prst="line">
+            <a:avLst/>
+          </a:prstGeom>
+          <a:ln>
+            <a:gradFill>
+              <a:gsLst>
+                <a:gs pos="54000">
+                  <a:schemeClr val="tx1"/>
+                </a:gs>
+                <a:gs pos="6000">
+                  <a:schemeClr val="bg1"/>
+                </a:gs>
+                <a:gs pos="89000">
+                  <a:schemeClr val="bg1">
+                    <a:lumMod val="50000"/>
+                  </a:schemeClr>
+                </a:gs>
+                <a:gs pos="92000">
+                  <a:schemeClr val="bg1"/>
+                </a:gs>
+              </a:gsLst>
+              <a:lin ang="5400000" scaled="1"/>
+            </a:gradFill>
+          </a:ln>
+        </p:spPr>
+        <p:style>
+          <a:lnRef idx="1">
+            <a:schemeClr val="accent1"/>
+          </a:lnRef>
+          <a:fillRef idx="0">
+            <a:schemeClr val="accent1"/>
+          </a:fillRef>
+          <a:effectRef idx="0">
+            <a:schemeClr val="accent1"/>
+          </a:effectRef>
+          <a:fontRef idx="minor">
+            <a:schemeClr val="tx1"/>
+          </a:fontRef>
+        </p:style>
+      </p:cxnSp>
+    </p:spTree>
+    <p:extLst>
+      <p:ext uri="{BB962C8B-B14F-4D97-AF65-F5344CB8AC3E}">
+        <p14:creationId xmlns:p14="http://schemas.microsoft.com/office/powerpoint/2010/main" val="4091749536"/>
+      </p:ext>
+    </p:extLst>
+  </p:cSld>
+  <p:clrMapOvr>
+    <a:masterClrMapping/>
+  </p:clrMapOvr>
+  <p:timing>
+    <p:tnLst>
+      <p:par>
+        <p:cTn id="1" dur="indefinite" restart="never" nodeType="tmRoot"/>
+      </p:par>
+    </p:tnLst>
+  </p:timing>
+</p:sld>
+</file>
+
+<file path=ppt/slides/slide36.xml><?xml version="1.0" encoding="utf-8"?>
+<p:sld xmlns:a="http://schemas.openxmlformats.org/drawingml/2006/main" xmlns:r="http://schemas.openxmlformats.org/officeDocument/2006/relationships" xmlns:p="http://schemas.openxmlformats.org/presentationml/2006/main">
+  <p:cSld>
+    <p:spTree>
+      <p:nvGrpSpPr>
+        <p:cNvPr id="1" name=""/>
+        <p:cNvGrpSpPr/>
+        <p:nvPr/>
+      </p:nvGrpSpPr>
+      <p:grpSpPr>
+        <a:xfrm>
+          <a:off x="0" y="0"/>
+          <a:ext cx="0" cy="0"/>
+          <a:chOff x="0" y="0"/>
+          <a:chExt cx="0" cy="0"/>
+        </a:xfrm>
+      </p:grpSpPr>
+      <p:sp>
+        <p:nvSpPr>
+          <p:cNvPr id="3" name="직사각형 2"/>
+          <p:cNvSpPr/>
+          <p:nvPr/>
+        </p:nvSpPr>
+        <p:spPr>
+          <a:xfrm>
+            <a:off x="704850" y="319293"/>
+            <a:ext cx="10782300" cy="646331"/>
+          </a:xfrm>
+          <a:prstGeom prst="rect">
+            <a:avLst/>
+          </a:prstGeom>
+        </p:spPr>
+        <p:txBody>
+          <a:bodyPr wrap="square">
+            <a:spAutoFit/>
+          </a:bodyPr>
+          <a:lstStyle/>
+          <a:p>
+            <a:r>
+              <a:rPr lang="en-US" altLang="ko-KR" sz="3600" dirty="0">
+                <a:latin typeface="리디바탕" panose="020B0600000101010101" pitchFamily="34" charset="-127"/>
+                <a:ea typeface="리디바탕" panose="020B0600000101010101" pitchFamily="34" charset="-127"/>
+              </a:rPr>
               <a:t>3. </a:t>
             </a:r>
             <a:r>
@@ -18063,7 +18558,7 @@
 </p:sld>
 </file>
 
-<file path=ppt/slides/slide36.xml><?xml version="1.0" encoding="utf-8"?>
+<file path=ppt/slides/slide37.xml><?xml version="1.0" encoding="utf-8"?>
 <p:sld xmlns:a="http://schemas.openxmlformats.org/drawingml/2006/main" xmlns:r="http://schemas.openxmlformats.org/officeDocument/2006/relationships" xmlns:p="http://schemas.openxmlformats.org/presentationml/2006/main">
   <p:cSld>
     <p:spTree>
@@ -18100,7 +18595,7 @@
 </p:sld>
 </file>
 
-<file path=ppt/slides/slide37.xml><?xml version="1.0" encoding="utf-8"?>
+<file path=ppt/slides/slide38.xml><?xml version="1.0" encoding="utf-8"?>
 <p:sld xmlns:a="http://schemas.openxmlformats.org/drawingml/2006/main" xmlns:r="http://schemas.openxmlformats.org/officeDocument/2006/relationships" xmlns:p="http://schemas.openxmlformats.org/presentationml/2006/main">
   <p:cSld>
     <p:spTree>
@@ -18137,7 +18632,7 @@
 </p:sld>
 </file>
 
-<file path=ppt/slides/slide38.xml><?xml version="1.0" encoding="utf-8"?>
+<file path=ppt/slides/slide39.xml><?xml version="1.0" encoding="utf-8"?>
 <p:sld xmlns:a="http://schemas.openxmlformats.org/drawingml/2006/main" xmlns:r="http://schemas.openxmlformats.org/officeDocument/2006/relationships" xmlns:p="http://schemas.openxmlformats.org/presentationml/2006/main">
   <p:cSld>
     <p:spTree>
@@ -18158,43 +18653,6 @@
     <p:extLst>
       <p:ext uri="{BB962C8B-B14F-4D97-AF65-F5344CB8AC3E}">
         <p14:creationId xmlns:p14="http://schemas.microsoft.com/office/powerpoint/2010/main" val="170148201"/>
-      </p:ext>
-    </p:extLst>
-  </p:cSld>
-  <p:clrMapOvr>
-    <a:masterClrMapping/>
-  </p:clrMapOvr>
-  <p:timing>
-    <p:tnLst>
-      <p:par>
-        <p:cTn id="1" dur="indefinite" restart="never" nodeType="tmRoot"/>
-      </p:par>
-    </p:tnLst>
-  </p:timing>
-</p:sld>
-</file>
-
-<file path=ppt/slides/slide39.xml><?xml version="1.0" encoding="utf-8"?>
-<p:sld xmlns:a="http://schemas.openxmlformats.org/drawingml/2006/main" xmlns:r="http://schemas.openxmlformats.org/officeDocument/2006/relationships" xmlns:p="http://schemas.openxmlformats.org/presentationml/2006/main">
-  <p:cSld>
-    <p:spTree>
-      <p:nvGrpSpPr>
-        <p:cNvPr id="1" name=""/>
-        <p:cNvGrpSpPr/>
-        <p:nvPr/>
-      </p:nvGrpSpPr>
-      <p:grpSpPr>
-        <a:xfrm>
-          <a:off x="0" y="0"/>
-          <a:ext cx="0" cy="0"/>
-          <a:chOff x="0" y="0"/>
-          <a:chExt cx="0" cy="0"/>
-        </a:xfrm>
-      </p:grpSpPr>
-    </p:spTree>
-    <p:extLst>
-      <p:ext uri="{BB962C8B-B14F-4D97-AF65-F5344CB8AC3E}">
-        <p14:creationId xmlns:p14="http://schemas.microsoft.com/office/powerpoint/2010/main" val="3939351004"/>
       </p:ext>
     </p:extLst>
   </p:cSld>
@@ -19483,7 +19941,7 @@
     </p:spTree>
     <p:extLst>
       <p:ext uri="{BB962C8B-B14F-4D97-AF65-F5344CB8AC3E}">
-        <p14:creationId xmlns:p14="http://schemas.microsoft.com/office/powerpoint/2010/main" val="1568211224"/>
+        <p14:creationId xmlns:p14="http://schemas.microsoft.com/office/powerpoint/2010/main" val="3939351004"/>
       </p:ext>
     </p:extLst>
   </p:cSld>
@@ -19520,7 +19978,7 @@
     </p:spTree>
     <p:extLst>
       <p:ext uri="{BB962C8B-B14F-4D97-AF65-F5344CB8AC3E}">
-        <p14:creationId xmlns:p14="http://schemas.microsoft.com/office/powerpoint/2010/main" val="3977498147"/>
+        <p14:creationId xmlns:p14="http://schemas.microsoft.com/office/powerpoint/2010/main" val="1568211224"/>
       </p:ext>
     </p:extLst>
   </p:cSld>
@@ -19557,6 +20015,43 @@
     </p:spTree>
     <p:extLst>
       <p:ext uri="{BB962C8B-B14F-4D97-AF65-F5344CB8AC3E}">
+        <p14:creationId xmlns:p14="http://schemas.microsoft.com/office/powerpoint/2010/main" val="3977498147"/>
+      </p:ext>
+    </p:extLst>
+  </p:cSld>
+  <p:clrMapOvr>
+    <a:masterClrMapping/>
+  </p:clrMapOvr>
+  <p:timing>
+    <p:tnLst>
+      <p:par>
+        <p:cTn id="1" dur="indefinite" restart="never" nodeType="tmRoot"/>
+      </p:par>
+    </p:tnLst>
+  </p:timing>
+</p:sld>
+</file>
+
+<file path=ppt/slides/slide43.xml><?xml version="1.0" encoding="utf-8"?>
+<p:sld xmlns:a="http://schemas.openxmlformats.org/drawingml/2006/main" xmlns:r="http://schemas.openxmlformats.org/officeDocument/2006/relationships" xmlns:p="http://schemas.openxmlformats.org/presentationml/2006/main">
+  <p:cSld>
+    <p:spTree>
+      <p:nvGrpSpPr>
+        <p:cNvPr id="1" name=""/>
+        <p:cNvGrpSpPr/>
+        <p:nvPr/>
+      </p:nvGrpSpPr>
+      <p:grpSpPr>
+        <a:xfrm>
+          <a:off x="0" y="0"/>
+          <a:ext cx="0" cy="0"/>
+          <a:chOff x="0" y="0"/>
+          <a:chExt cx="0" cy="0"/>
+        </a:xfrm>
+      </p:grpSpPr>
+    </p:spTree>
+    <p:extLst>
+      <p:ext uri="{BB962C8B-B14F-4D97-AF65-F5344CB8AC3E}">
         <p14:creationId xmlns:p14="http://schemas.microsoft.com/office/powerpoint/2010/main" val="3220929086"/>
       </p:ext>
     </p:extLst>
@@ -19567,7 +20062,7 @@
 </p:sld>
 </file>
 
-<file path=ppt/slides/slide43.xml><?xml version="1.0" encoding="utf-8"?>
+<file path=ppt/slides/slide44.xml><?xml version="1.0" encoding="utf-8"?>
 <p:sld xmlns:a="http://schemas.openxmlformats.org/drawingml/2006/main" xmlns:r="http://schemas.openxmlformats.org/officeDocument/2006/relationships" xmlns:p="http://schemas.openxmlformats.org/presentationml/2006/main">
   <p:cSld>
     <p:spTree>
@@ -19597,7 +20092,7 @@
 </p:sld>
 </file>
 
-<file path=ppt/slides/slide44.xml><?xml version="1.0" encoding="utf-8"?>
+<file path=ppt/slides/slide45.xml><?xml version="1.0" encoding="utf-8"?>
 <p:sld xmlns:a="http://schemas.openxmlformats.org/drawingml/2006/main" xmlns:r="http://schemas.openxmlformats.org/officeDocument/2006/relationships" xmlns:p="http://schemas.openxmlformats.org/presentationml/2006/main">
   <p:cSld>
     <p:spTree>
